--- a/linux/socket/socket.pptx
+++ b/linux/socket/socket.pptx
@@ -8,9 +8,10 @@
     <p:sldId id="257" r:id="rId3"/>
     <p:sldId id="258" r:id="rId4"/>
     <p:sldId id="259" r:id="rId5"/>
-    <p:sldId id="260" r:id="rId6"/>
-    <p:sldId id="273" r:id="rId7"/>
-    <p:sldId id="275" r:id="rId8"/>
+    <p:sldId id="277" r:id="rId6"/>
+    <p:sldId id="260" r:id="rId7"/>
+    <p:sldId id="273" r:id="rId8"/>
+    <p:sldId id="275" r:id="rId9"/>
   </p:sldIdLst>
   <p:sldSz cx="12192000" cy="6858000"/>
   <p:notesSz cx="6858000" cy="9144000"/>
@@ -10999,6 +11000,4788 @@
         <p:nvPr/>
       </p:nvGrpSpPr>
       <p:grpSpPr/>
+      <p:graphicFrame>
+        <p:nvGraphicFramePr>
+          <p:cNvPr id="4" name="Table 3"/>
+          <p:cNvGraphicFramePr/>
+          <p:nvPr/>
+        </p:nvGraphicFramePr>
+        <p:xfrm>
+          <a:off x="568960" y="1143000"/>
+          <a:ext cx="1527175" cy="1219200"/>
+        </p:xfrm>
+        <a:graphic>
+          <a:graphicData uri="http://schemas.openxmlformats.org/drawingml/2006/table">
+            <a:tbl>
+              <a:tblPr firstRow="1" bandRow="1">
+                <a:tableStyleId>{5C22544A-7EE6-4342-B048-85BDC9FD1C3A}</a:tableStyleId>
+              </a:tblPr>
+              <a:tblGrid>
+                <a:gridCol w="1527175"/>
+              </a:tblGrid>
+              <a:tr h="304800">
+                <a:tc>
+                  <a:txBody>
+                    <a:bodyPr/>
+                    <a:p>
+                      <a:pPr algn="ctr">
+                        <a:buNone/>
+                      </a:pPr>
+                      <a:r>
+                        <a:rPr lang="x-none" sz="1400">
+                          <a:solidFill>
+                            <a:schemeClr val="tx1"/>
+                          </a:solidFill>
+                          <a:latin typeface="Liberation Sans Narrow" charset="0"/>
+                        </a:rPr>
+                        <a:t>struct tast_struct {}</a:t>
+                      </a:r>
+                      <a:endParaRPr lang="x-none" sz="1400">
+                        <a:solidFill>
+                          <a:schemeClr val="tx1"/>
+                        </a:solidFill>
+                        <a:latin typeface="Liberation Sans Narrow" charset="0"/>
+                      </a:endParaRPr>
+                    </a:p>
+                  </a:txBody>
+                  <a:tcPr marL="36195" marR="36195" marT="0" marB="0">
+                    <a:lnL>
+                      <a:noFill/>
+                    </a:lnL>
+                    <a:lnR>
+                      <a:noFill/>
+                    </a:lnR>
+                    <a:lnT>
+                      <a:noFill/>
+                    </a:lnT>
+                    <a:lnB w="12700">
+                      <a:solidFill>
+                        <a:schemeClr val="tx1"/>
+                      </a:solidFill>
+                      <a:prstDash val="solid"/>
+                    </a:lnB>
+                    <a:lnTlToBr>
+                      <a:noFill/>
+                    </a:lnTlToBr>
+                    <a:lnBlToTr>
+                      <a:noFill/>
+                    </a:lnBlToTr>
+                    <a:noFill/>
+                  </a:tcPr>
+                </a:tc>
+              </a:tr>
+              <a:tr h="304800">
+                <a:tc>
+                  <a:txBody>
+                    <a:bodyPr/>
+                    <a:p>
+                      <a:pPr algn="ctr">
+                        <a:buNone/>
+                      </a:pPr>
+                      <a:r>
+                        <a:rPr lang="x-none" sz="1400">
+                          <a:solidFill>
+                            <a:schemeClr val="tx1"/>
+                          </a:solidFill>
+                          <a:latin typeface="Liberation Sans Narrow" charset="0"/>
+                        </a:rPr>
+                        <a:t>...</a:t>
+                      </a:r>
+                      <a:endParaRPr lang="x-none" sz="1400">
+                        <a:solidFill>
+                          <a:schemeClr val="tx1"/>
+                        </a:solidFill>
+                        <a:latin typeface="Liberation Sans Narrow" charset="0"/>
+                      </a:endParaRPr>
+                    </a:p>
+                  </a:txBody>
+                  <a:tcPr marL="36195" marR="36195" marT="0" marB="0">
+                    <a:lnL w="12700">
+                      <a:solidFill>
+                        <a:schemeClr val="tx1"/>
+                      </a:solidFill>
+                      <a:prstDash val="solid"/>
+                    </a:lnL>
+                    <a:lnR w="12700">
+                      <a:solidFill>
+                        <a:schemeClr val="tx1"/>
+                      </a:solidFill>
+                      <a:prstDash val="solid"/>
+                    </a:lnR>
+                    <a:lnT w="12700">
+                      <a:solidFill>
+                        <a:schemeClr val="tx1"/>
+                      </a:solidFill>
+                      <a:prstDash val="solid"/>
+                    </a:lnT>
+                    <a:lnB w="12700">
+                      <a:solidFill>
+                        <a:schemeClr val="tx1"/>
+                      </a:solidFill>
+                      <a:prstDash val="solid"/>
+                    </a:lnB>
+                    <a:solidFill>
+                      <a:schemeClr val="bg2">
+                        <a:lumMod val="75000"/>
+                      </a:schemeClr>
+                    </a:solidFill>
+                  </a:tcPr>
+                </a:tc>
+              </a:tr>
+              <a:tr h="304800">
+                <a:tc>
+                  <a:txBody>
+                    <a:bodyPr/>
+                    <a:p>
+                      <a:pPr algn="ctr">
+                        <a:buNone/>
+                      </a:pPr>
+                      <a:r>
+                        <a:rPr lang="x-none" sz="1400">
+                          <a:solidFill>
+                            <a:schemeClr val="tx1"/>
+                          </a:solidFill>
+                          <a:latin typeface="Liberation Sans Narrow" charset="0"/>
+                        </a:rPr>
+                        <a:t>struct files_struct* files</a:t>
+                      </a:r>
+                      <a:endParaRPr lang="x-none" sz="1400">
+                        <a:solidFill>
+                          <a:schemeClr val="tx1"/>
+                        </a:solidFill>
+                        <a:latin typeface="Liberation Sans Narrow" charset="0"/>
+                      </a:endParaRPr>
+                    </a:p>
+                  </a:txBody>
+                  <a:tcPr marL="36195" marR="36195" marT="0" marB="0">
+                    <a:lnL w="12700">
+                      <a:solidFill>
+                        <a:schemeClr val="tx1"/>
+                      </a:solidFill>
+                      <a:prstDash val="solid"/>
+                    </a:lnL>
+                    <a:lnR w="12700">
+                      <a:solidFill>
+                        <a:schemeClr val="tx1"/>
+                      </a:solidFill>
+                      <a:prstDash val="solid"/>
+                    </a:lnR>
+                    <a:lnT w="12700">
+                      <a:solidFill>
+                        <a:schemeClr val="tx1"/>
+                      </a:solidFill>
+                      <a:prstDash val="solid"/>
+                    </a:lnT>
+                    <a:lnB w="12700">
+                      <a:solidFill>
+                        <a:schemeClr val="tx1"/>
+                      </a:solidFill>
+                      <a:prstDash val="solid"/>
+                    </a:lnB>
+                    <a:noFill/>
+                  </a:tcPr>
+                </a:tc>
+              </a:tr>
+              <a:tr h="304800">
+                <a:tc>
+                  <a:txBody>
+                    <a:bodyPr/>
+                    <a:p>
+                      <a:pPr algn="ctr">
+                        <a:buNone/>
+                      </a:pPr>
+                      <a:r>
+                        <a:rPr lang="x-none" sz="1400">
+                          <a:solidFill>
+                            <a:schemeClr val="tx1"/>
+                          </a:solidFill>
+                          <a:latin typeface="Liberation Sans Narrow" charset="0"/>
+                        </a:rPr>
+                        <a:t>...</a:t>
+                      </a:r>
+                      <a:endParaRPr lang="x-none" sz="1400">
+                        <a:solidFill>
+                          <a:schemeClr val="tx1"/>
+                        </a:solidFill>
+                        <a:latin typeface="Liberation Sans Narrow" charset="0"/>
+                      </a:endParaRPr>
+                    </a:p>
+                  </a:txBody>
+                  <a:tcPr marL="36195" marR="36195" marT="0" marB="0">
+                    <a:lnL w="12700">
+                      <a:solidFill>
+                        <a:schemeClr val="tx1"/>
+                      </a:solidFill>
+                      <a:prstDash val="solid"/>
+                    </a:lnL>
+                    <a:lnR w="12700">
+                      <a:solidFill>
+                        <a:schemeClr val="tx1"/>
+                      </a:solidFill>
+                      <a:prstDash val="solid"/>
+                    </a:lnR>
+                    <a:lnT w="12700">
+                      <a:solidFill>
+                        <a:schemeClr val="tx1"/>
+                      </a:solidFill>
+                      <a:prstDash val="solid"/>
+                    </a:lnT>
+                    <a:lnB w="12700">
+                      <a:solidFill>
+                        <a:schemeClr val="tx1"/>
+                      </a:solidFill>
+                      <a:prstDash val="solid"/>
+                    </a:lnB>
+                    <a:solidFill>
+                      <a:schemeClr val="bg2">
+                        <a:lumMod val="75000"/>
+                      </a:schemeClr>
+                    </a:solidFill>
+                  </a:tcPr>
+                </a:tc>
+              </a:tr>
+            </a:tbl>
+          </a:graphicData>
+        </a:graphic>
+      </p:graphicFrame>
+      <p:graphicFrame>
+        <p:nvGraphicFramePr>
+          <p:cNvPr id="5" name="Table 4"/>
+          <p:cNvGraphicFramePr/>
+          <p:nvPr/>
+        </p:nvGraphicFramePr>
+        <p:xfrm>
+          <a:off x="570865" y="2360295"/>
+          <a:ext cx="1486535" cy="1219200"/>
+        </p:xfrm>
+        <a:graphic>
+          <a:graphicData uri="http://schemas.openxmlformats.org/drawingml/2006/table">
+            <a:tbl>
+              <a:tblPr firstRow="1" bandRow="1">
+                <a:tableStyleId>{5C22544A-7EE6-4342-B048-85BDC9FD1C3A}</a:tableStyleId>
+              </a:tblPr>
+              <a:tblGrid>
+                <a:gridCol w="1486535"/>
+              </a:tblGrid>
+              <a:tr h="304800">
+                <a:tc>
+                  <a:txBody>
+                    <a:bodyPr/>
+                    <a:p>
+                      <a:pPr algn="ctr">
+                        <a:buNone/>
+                      </a:pPr>
+                      <a:r>
+                        <a:rPr lang="x-none" sz="1400">
+                          <a:solidFill>
+                            <a:schemeClr val="tx1"/>
+                          </a:solidFill>
+                          <a:latin typeface="Liberation Sans Narrow" charset="0"/>
+                        </a:rPr>
+                        <a:t>struct files_struct {}</a:t>
+                      </a:r>
+                      <a:endParaRPr lang="x-none" sz="1400">
+                        <a:solidFill>
+                          <a:schemeClr val="tx1"/>
+                        </a:solidFill>
+                        <a:latin typeface="Liberation Sans Narrow" charset="0"/>
+                      </a:endParaRPr>
+                    </a:p>
+                  </a:txBody>
+                  <a:tcPr marL="36195" marR="36195" marT="36195" marB="36195">
+                    <a:lnL>
+                      <a:noFill/>
+                    </a:lnL>
+                    <a:lnR>
+                      <a:noFill/>
+                    </a:lnR>
+                    <a:lnT>
+                      <a:noFill/>
+                    </a:lnT>
+                    <a:lnB w="12700">
+                      <a:solidFill>
+                        <a:schemeClr val="tx1"/>
+                      </a:solidFill>
+                      <a:prstDash val="solid"/>
+                    </a:lnB>
+                    <a:lnTlToBr>
+                      <a:noFill/>
+                    </a:lnTlToBr>
+                    <a:lnBlToTr>
+                      <a:noFill/>
+                    </a:lnBlToTr>
+                    <a:noFill/>
+                  </a:tcPr>
+                </a:tc>
+              </a:tr>
+              <a:tr h="304800">
+                <a:tc>
+                  <a:txBody>
+                    <a:bodyPr/>
+                    <a:p>
+                      <a:pPr algn="ctr">
+                        <a:buNone/>
+                      </a:pPr>
+                      <a:r>
+                        <a:rPr lang="x-none" sz="1400">
+                          <a:solidFill>
+                            <a:schemeClr val="tx1"/>
+                          </a:solidFill>
+                          <a:latin typeface="Liberation Sans Narrow" charset="0"/>
+                        </a:rPr>
+                        <a:t>...</a:t>
+                      </a:r>
+                      <a:endParaRPr lang="x-none" sz="1400">
+                        <a:solidFill>
+                          <a:schemeClr val="tx1"/>
+                        </a:solidFill>
+                        <a:latin typeface="Liberation Sans Narrow" charset="0"/>
+                      </a:endParaRPr>
+                    </a:p>
+                  </a:txBody>
+                  <a:tcPr marL="36195" marR="36195" marT="36195" marB="36195">
+                    <a:lnL w="12700">
+                      <a:solidFill>
+                        <a:schemeClr val="tx1"/>
+                      </a:solidFill>
+                      <a:prstDash val="solid"/>
+                    </a:lnL>
+                    <a:lnR w="12700">
+                      <a:solidFill>
+                        <a:schemeClr val="tx1"/>
+                      </a:solidFill>
+                      <a:prstDash val="solid"/>
+                    </a:lnR>
+                    <a:lnT w="12700">
+                      <a:solidFill>
+                        <a:schemeClr val="tx1"/>
+                      </a:solidFill>
+                      <a:prstDash val="solid"/>
+                    </a:lnT>
+                    <a:lnB w="12700">
+                      <a:solidFill>
+                        <a:schemeClr val="tx1"/>
+                      </a:solidFill>
+                      <a:prstDash val="solid"/>
+                    </a:lnB>
+                    <a:solidFill>
+                      <a:schemeClr val="bg2">
+                        <a:lumMod val="75000"/>
+                      </a:schemeClr>
+                    </a:solidFill>
+                  </a:tcPr>
+                </a:tc>
+              </a:tr>
+              <a:tr h="304800">
+                <a:tc>
+                  <a:txBody>
+                    <a:bodyPr/>
+                    <a:p>
+                      <a:pPr algn="ctr">
+                        <a:buNone/>
+                      </a:pPr>
+                      <a:r>
+                        <a:rPr lang="x-none" sz="1400">
+                          <a:solidFill>
+                            <a:schemeClr val="tx1"/>
+                          </a:solidFill>
+                          <a:latin typeface="Liberation Sans Narrow" charset="0"/>
+                        </a:rPr>
+                        <a:t>struct fd_table* fdt</a:t>
+                      </a:r>
+                      <a:endParaRPr lang="x-none" sz="1400">
+                        <a:solidFill>
+                          <a:schemeClr val="tx1"/>
+                        </a:solidFill>
+                        <a:latin typeface="Liberation Sans Narrow" charset="0"/>
+                      </a:endParaRPr>
+                    </a:p>
+                  </a:txBody>
+                  <a:tcPr marL="36195" marR="36195" marT="36195" marB="36195">
+                    <a:lnL w="12700">
+                      <a:solidFill>
+                        <a:schemeClr val="tx1"/>
+                      </a:solidFill>
+                      <a:prstDash val="solid"/>
+                    </a:lnL>
+                    <a:lnR w="12700">
+                      <a:solidFill>
+                        <a:schemeClr val="tx1"/>
+                      </a:solidFill>
+                      <a:prstDash val="solid"/>
+                    </a:lnR>
+                    <a:lnT w="12700">
+                      <a:solidFill>
+                        <a:schemeClr val="tx1"/>
+                      </a:solidFill>
+                      <a:prstDash val="solid"/>
+                    </a:lnT>
+                    <a:lnB w="12700">
+                      <a:solidFill>
+                        <a:schemeClr val="tx1"/>
+                      </a:solidFill>
+                      <a:prstDash val="solid"/>
+                    </a:lnB>
+                    <a:noFill/>
+                  </a:tcPr>
+                </a:tc>
+              </a:tr>
+              <a:tr h="304800">
+                <a:tc>
+                  <a:txBody>
+                    <a:bodyPr/>
+                    <a:p>
+                      <a:pPr algn="ctr">
+                        <a:buNone/>
+                      </a:pPr>
+                      <a:r>
+                        <a:rPr lang="x-none" sz="1400">
+                          <a:solidFill>
+                            <a:schemeClr val="tx1"/>
+                          </a:solidFill>
+                          <a:latin typeface="Liberation Sans Narrow" charset="0"/>
+                        </a:rPr>
+                        <a:t>...</a:t>
+                      </a:r>
+                      <a:endParaRPr lang="x-none" sz="1400">
+                        <a:solidFill>
+                          <a:schemeClr val="tx1"/>
+                        </a:solidFill>
+                        <a:latin typeface="Liberation Sans Narrow" charset="0"/>
+                      </a:endParaRPr>
+                    </a:p>
+                  </a:txBody>
+                  <a:tcPr marL="36195" marR="36195" marT="36195" marB="36195">
+                    <a:lnL w="12700">
+                      <a:solidFill>
+                        <a:schemeClr val="tx1"/>
+                      </a:solidFill>
+                      <a:prstDash val="solid"/>
+                    </a:lnL>
+                    <a:lnR w="12700">
+                      <a:solidFill>
+                        <a:schemeClr val="tx1"/>
+                      </a:solidFill>
+                      <a:prstDash val="solid"/>
+                    </a:lnR>
+                    <a:lnT w="12700">
+                      <a:solidFill>
+                        <a:schemeClr val="tx1"/>
+                      </a:solidFill>
+                      <a:prstDash val="solid"/>
+                    </a:lnT>
+                    <a:lnB w="12700">
+                      <a:solidFill>
+                        <a:schemeClr val="tx1"/>
+                      </a:solidFill>
+                      <a:prstDash val="solid"/>
+                    </a:lnB>
+                    <a:solidFill>
+                      <a:schemeClr val="bg2">
+                        <a:lumMod val="75000"/>
+                      </a:schemeClr>
+                    </a:solidFill>
+                  </a:tcPr>
+                </a:tc>
+              </a:tr>
+            </a:tbl>
+          </a:graphicData>
+        </a:graphic>
+      </p:graphicFrame>
+      <p:graphicFrame>
+        <p:nvGraphicFramePr>
+          <p:cNvPr id="6" name="Table 5"/>
+          <p:cNvGraphicFramePr/>
+          <p:nvPr/>
+        </p:nvGraphicFramePr>
+        <p:xfrm>
+          <a:off x="585470" y="3587115"/>
+          <a:ext cx="1466850" cy="1209040"/>
+        </p:xfrm>
+        <a:graphic>
+          <a:graphicData uri="http://schemas.openxmlformats.org/drawingml/2006/table">
+            <a:tbl>
+              <a:tblPr firstRow="1" bandRow="1">
+                <a:tableStyleId>{5C22544A-7EE6-4342-B048-85BDC9FD1C3A}</a:tableStyleId>
+              </a:tblPr>
+              <a:tblGrid>
+                <a:gridCol w="1466850"/>
+              </a:tblGrid>
+              <a:tr h="304800">
+                <a:tc>
+                  <a:txBody>
+                    <a:bodyPr/>
+                    <a:p>
+                      <a:pPr algn="ctr">
+                        <a:buNone/>
+                      </a:pPr>
+                      <a:r>
+                        <a:rPr lang="x-none" sz="1400">
+                          <a:solidFill>
+                            <a:schemeClr val="tx1"/>
+                          </a:solidFill>
+                          <a:latin typeface="Liberation Sans Narrow" charset="0"/>
+                        </a:rPr>
+                        <a:t>struct fdtable {}</a:t>
+                      </a:r>
+                      <a:endParaRPr lang="x-none" sz="1400">
+                        <a:solidFill>
+                          <a:schemeClr val="tx1"/>
+                        </a:solidFill>
+                        <a:latin typeface="Liberation Sans Narrow" charset="0"/>
+                      </a:endParaRPr>
+                    </a:p>
+                  </a:txBody>
+                  <a:tcPr marL="36195" marR="36195" marT="36195" marB="36195">
+                    <a:lnL>
+                      <a:noFill/>
+                    </a:lnL>
+                    <a:lnR>
+                      <a:noFill/>
+                    </a:lnR>
+                    <a:lnT>
+                      <a:noFill/>
+                    </a:lnT>
+                    <a:lnB w="12700">
+                      <a:solidFill>
+                        <a:schemeClr val="tx1"/>
+                      </a:solidFill>
+                      <a:prstDash val="solid"/>
+                    </a:lnB>
+                    <a:lnTlToBr>
+                      <a:noFill/>
+                    </a:lnTlToBr>
+                    <a:lnBlToTr>
+                      <a:noFill/>
+                    </a:lnBlToTr>
+                    <a:noFill/>
+                  </a:tcPr>
+                </a:tc>
+              </a:tr>
+              <a:tr h="304800">
+                <a:tc>
+                  <a:txBody>
+                    <a:bodyPr/>
+                    <a:p>
+                      <a:pPr algn="ctr">
+                        <a:buNone/>
+                      </a:pPr>
+                      <a:r>
+                        <a:rPr lang="x-none" sz="1400">
+                          <a:solidFill>
+                            <a:schemeClr val="tx1"/>
+                          </a:solidFill>
+                          <a:latin typeface="Liberation Sans Narrow" charset="0"/>
+                        </a:rPr>
+                        <a:t>unsigned int max_fds</a:t>
+                      </a:r>
+                      <a:endParaRPr lang="x-none" sz="1400">
+                        <a:solidFill>
+                          <a:schemeClr val="tx1"/>
+                        </a:solidFill>
+                        <a:latin typeface="Liberation Sans Narrow" charset="0"/>
+                      </a:endParaRPr>
+                    </a:p>
+                  </a:txBody>
+                  <a:tcPr marL="36195" marR="36195" marT="36195" marB="36195">
+                    <a:lnL w="12700">
+                      <a:solidFill>
+                        <a:schemeClr val="tx1"/>
+                      </a:solidFill>
+                      <a:prstDash val="solid"/>
+                    </a:lnL>
+                    <a:lnR w="12700">
+                      <a:solidFill>
+                        <a:schemeClr val="tx1"/>
+                      </a:solidFill>
+                      <a:prstDash val="solid"/>
+                    </a:lnR>
+                    <a:lnT w="12700">
+                      <a:solidFill>
+                        <a:schemeClr val="tx1"/>
+                      </a:solidFill>
+                      <a:prstDash val="solid"/>
+                    </a:lnT>
+                    <a:lnB w="12700">
+                      <a:solidFill>
+                        <a:schemeClr val="tx1"/>
+                      </a:solidFill>
+                      <a:prstDash val="solid"/>
+                    </a:lnB>
+                    <a:noFill/>
+                  </a:tcPr>
+                </a:tc>
+              </a:tr>
+              <a:tr h="304800">
+                <a:tc>
+                  <a:txBody>
+                    <a:bodyPr/>
+                    <a:p>
+                      <a:pPr algn="ctr">
+                        <a:buNone/>
+                      </a:pPr>
+                      <a:r>
+                        <a:rPr lang="x-none" sz="1400">
+                          <a:solidFill>
+                            <a:schemeClr val="tx1"/>
+                          </a:solidFill>
+                          <a:latin typeface="Liberation Sans Narrow" charset="0"/>
+                        </a:rPr>
+                        <a:t>struct file** fd</a:t>
+                      </a:r>
+                      <a:endParaRPr lang="x-none" sz="1400">
+                        <a:solidFill>
+                          <a:schemeClr val="tx1"/>
+                        </a:solidFill>
+                        <a:latin typeface="Liberation Sans Narrow" charset="0"/>
+                      </a:endParaRPr>
+                    </a:p>
+                  </a:txBody>
+                  <a:tcPr marL="36195" marR="36195" marT="36195" marB="36195">
+                    <a:lnL w="12700">
+                      <a:solidFill>
+                        <a:schemeClr val="tx1"/>
+                      </a:solidFill>
+                      <a:prstDash val="solid"/>
+                    </a:lnL>
+                    <a:lnR w="12700">
+                      <a:solidFill>
+                        <a:schemeClr val="tx1"/>
+                      </a:solidFill>
+                      <a:prstDash val="solid"/>
+                    </a:lnR>
+                    <a:lnT w="12700">
+                      <a:solidFill>
+                        <a:schemeClr val="tx1"/>
+                      </a:solidFill>
+                      <a:prstDash val="solid"/>
+                    </a:lnT>
+                    <a:lnB w="12700">
+                      <a:solidFill>
+                        <a:schemeClr val="tx1"/>
+                      </a:solidFill>
+                      <a:prstDash val="solid"/>
+                    </a:lnB>
+                    <a:noFill/>
+                  </a:tcPr>
+                </a:tc>
+              </a:tr>
+              <a:tr h="294640">
+                <a:tc>
+                  <a:txBody>
+                    <a:bodyPr/>
+                    <a:p>
+                      <a:pPr algn="ctr">
+                        <a:buNone/>
+                      </a:pPr>
+                      <a:r>
+                        <a:rPr lang="x-none" sz="1400">
+                          <a:solidFill>
+                            <a:schemeClr val="tx1"/>
+                          </a:solidFill>
+                          <a:latin typeface="Liberation Sans Narrow" charset="0"/>
+                        </a:rPr>
+                        <a:t>...</a:t>
+                      </a:r>
+                      <a:endParaRPr lang="x-none" sz="1400">
+                        <a:solidFill>
+                          <a:schemeClr val="tx1"/>
+                        </a:solidFill>
+                        <a:latin typeface="Liberation Sans Narrow" charset="0"/>
+                      </a:endParaRPr>
+                    </a:p>
+                  </a:txBody>
+                  <a:tcPr marL="36195" marR="36195" marT="36195" marB="36195">
+                    <a:lnL w="12700">
+                      <a:solidFill>
+                        <a:schemeClr val="tx1"/>
+                      </a:solidFill>
+                      <a:prstDash val="solid"/>
+                    </a:lnL>
+                    <a:lnR w="12700">
+                      <a:solidFill>
+                        <a:schemeClr val="tx1"/>
+                      </a:solidFill>
+                      <a:prstDash val="solid"/>
+                    </a:lnR>
+                    <a:lnT w="12700">
+                      <a:solidFill>
+                        <a:schemeClr val="tx1"/>
+                      </a:solidFill>
+                      <a:prstDash val="solid"/>
+                    </a:lnT>
+                    <a:lnB w="12700">
+                      <a:solidFill>
+                        <a:schemeClr val="tx1"/>
+                      </a:solidFill>
+                      <a:prstDash val="solid"/>
+                    </a:lnB>
+                    <a:solidFill>
+                      <a:schemeClr val="bg2">
+                        <a:lumMod val="75000"/>
+                      </a:schemeClr>
+                    </a:solidFill>
+                  </a:tcPr>
+                </a:tc>
+              </a:tr>
+            </a:tbl>
+          </a:graphicData>
+        </a:graphic>
+      </p:graphicFrame>
+      <p:graphicFrame>
+        <p:nvGraphicFramePr>
+          <p:cNvPr id="7" name="Table 6"/>
+          <p:cNvGraphicFramePr/>
+          <p:nvPr/>
+        </p:nvGraphicFramePr>
+        <p:xfrm>
+          <a:off x="582930" y="4926330"/>
+          <a:ext cx="1517015" cy="1524000"/>
+        </p:xfrm>
+        <a:graphic>
+          <a:graphicData uri="http://schemas.openxmlformats.org/drawingml/2006/table">
+            <a:tbl>
+              <a:tblPr firstRow="1" bandRow="1">
+                <a:tableStyleId>{5C22544A-7EE6-4342-B048-85BDC9FD1C3A}</a:tableStyleId>
+              </a:tblPr>
+              <a:tblGrid>
+                <a:gridCol w="1517015"/>
+              </a:tblGrid>
+              <a:tr h="304800">
+                <a:tc>
+                  <a:txBody>
+                    <a:bodyPr/>
+                    <a:p>
+                      <a:pPr algn="ctr">
+                        <a:buNone/>
+                      </a:pPr>
+                      <a:r>
+                        <a:rPr lang="x-none" sz="1400">
+                          <a:solidFill>
+                            <a:schemeClr val="tx1"/>
+                          </a:solidFill>
+                          <a:latin typeface="Liberation Sans Narrow" charset="0"/>
+                        </a:rPr>
+                        <a:t>struct file* [max_fds]</a:t>
+                      </a:r>
+                      <a:endParaRPr lang="x-none" sz="1400">
+                        <a:solidFill>
+                          <a:schemeClr val="tx1"/>
+                        </a:solidFill>
+                        <a:latin typeface="Liberation Sans Narrow" charset="0"/>
+                      </a:endParaRPr>
+                    </a:p>
+                  </a:txBody>
+                  <a:tcPr marL="36195" marR="36195" marT="36195" marB="36195">
+                    <a:lnL>
+                      <a:noFill/>
+                    </a:lnL>
+                    <a:lnR>
+                      <a:noFill/>
+                    </a:lnR>
+                    <a:lnT>
+                      <a:noFill/>
+                    </a:lnT>
+                    <a:lnB w="12700">
+                      <a:solidFill>
+                        <a:schemeClr val="tx1"/>
+                      </a:solidFill>
+                      <a:prstDash val="solid"/>
+                    </a:lnB>
+                    <a:lnTlToBr>
+                      <a:noFill/>
+                    </a:lnTlToBr>
+                    <a:lnBlToTr>
+                      <a:noFill/>
+                    </a:lnBlToTr>
+                    <a:noFill/>
+                  </a:tcPr>
+                </a:tc>
+              </a:tr>
+              <a:tr h="304800">
+                <a:tc>
+                  <a:txBody>
+                    <a:bodyPr/>
+                    <a:p>
+                      <a:pPr algn="ctr">
+                        <a:buNone/>
+                      </a:pPr>
+                      <a:r>
+                        <a:rPr lang="x-none" sz="1400">
+                          <a:solidFill>
+                            <a:schemeClr val="tx1"/>
+                          </a:solidFill>
+                          <a:latin typeface="Liberation Sans Narrow" charset="0"/>
+                        </a:rPr>
+                        <a:t>[0]</a:t>
+                      </a:r>
+                      <a:endParaRPr lang="x-none" sz="1400">
+                        <a:solidFill>
+                          <a:schemeClr val="tx1"/>
+                        </a:solidFill>
+                        <a:latin typeface="Liberation Sans Narrow" charset="0"/>
+                      </a:endParaRPr>
+                    </a:p>
+                  </a:txBody>
+                  <a:tcPr marL="36195" marR="36195" marT="36195" marB="36195">
+                    <a:lnL w="12700">
+                      <a:solidFill>
+                        <a:schemeClr val="tx1"/>
+                      </a:solidFill>
+                      <a:prstDash val="solid"/>
+                    </a:lnL>
+                    <a:lnR w="12700">
+                      <a:solidFill>
+                        <a:schemeClr val="tx1"/>
+                      </a:solidFill>
+                      <a:prstDash val="solid"/>
+                    </a:lnR>
+                    <a:lnT w="12700">
+                      <a:solidFill>
+                        <a:schemeClr val="tx1"/>
+                      </a:solidFill>
+                      <a:prstDash val="solid"/>
+                    </a:lnT>
+                    <a:lnB w="12700">
+                      <a:solidFill>
+                        <a:schemeClr val="tx1"/>
+                      </a:solidFill>
+                      <a:prstDash val="solid"/>
+                    </a:lnB>
+                    <a:noFill/>
+                  </a:tcPr>
+                </a:tc>
+              </a:tr>
+              <a:tr h="304800">
+                <a:tc>
+                  <a:txBody>
+                    <a:bodyPr/>
+                    <a:p>
+                      <a:pPr algn="ctr">
+                        <a:buNone/>
+                      </a:pPr>
+                      <a:r>
+                        <a:rPr lang="x-none" sz="1400">
+                          <a:solidFill>
+                            <a:schemeClr val="tx1"/>
+                          </a:solidFill>
+                          <a:latin typeface="Liberation Sans Narrow" charset="0"/>
+                        </a:rPr>
+                        <a:t>[1]</a:t>
+                      </a:r>
+                      <a:endParaRPr lang="x-none" sz="1400">
+                        <a:solidFill>
+                          <a:schemeClr val="tx1"/>
+                        </a:solidFill>
+                        <a:latin typeface="Liberation Sans Narrow" charset="0"/>
+                      </a:endParaRPr>
+                    </a:p>
+                  </a:txBody>
+                  <a:tcPr marL="36195" marR="36195" marT="36195" marB="36195">
+                    <a:lnL w="12700">
+                      <a:solidFill>
+                        <a:schemeClr val="tx1"/>
+                      </a:solidFill>
+                      <a:prstDash val="solid"/>
+                    </a:lnL>
+                    <a:lnR w="12700">
+                      <a:solidFill>
+                        <a:schemeClr val="tx1"/>
+                      </a:solidFill>
+                      <a:prstDash val="solid"/>
+                    </a:lnR>
+                    <a:lnT w="12700">
+                      <a:solidFill>
+                        <a:schemeClr val="tx1"/>
+                      </a:solidFill>
+                      <a:prstDash val="solid"/>
+                    </a:lnT>
+                    <a:lnB w="12700">
+                      <a:solidFill>
+                        <a:schemeClr val="tx1"/>
+                      </a:solidFill>
+                      <a:prstDash val="solid"/>
+                    </a:lnB>
+                    <a:noFill/>
+                  </a:tcPr>
+                </a:tc>
+              </a:tr>
+              <a:tr h="304800">
+                <a:tc>
+                  <a:txBody>
+                    <a:bodyPr/>
+                    <a:p>
+                      <a:pPr algn="ctr">
+                        <a:buNone/>
+                      </a:pPr>
+                      <a:r>
+                        <a:rPr lang="x-none" sz="1400">
+                          <a:solidFill>
+                            <a:schemeClr val="tx1"/>
+                          </a:solidFill>
+                          <a:latin typeface="Liberation Sans Narrow" charset="0"/>
+                        </a:rPr>
+                        <a:t>...</a:t>
+                      </a:r>
+                      <a:endParaRPr lang="x-none" sz="1400">
+                        <a:solidFill>
+                          <a:schemeClr val="tx1"/>
+                        </a:solidFill>
+                        <a:latin typeface="Liberation Sans Narrow" charset="0"/>
+                      </a:endParaRPr>
+                    </a:p>
+                  </a:txBody>
+                  <a:tcPr marL="36195" marR="36195" marT="36195" marB="36195">
+                    <a:lnL w="12700">
+                      <a:solidFill>
+                        <a:schemeClr val="tx1"/>
+                      </a:solidFill>
+                      <a:prstDash val="solid"/>
+                    </a:lnL>
+                    <a:lnR w="12700">
+                      <a:solidFill>
+                        <a:schemeClr val="tx1"/>
+                      </a:solidFill>
+                      <a:prstDash val="solid"/>
+                    </a:lnR>
+                    <a:lnT w="12700">
+                      <a:solidFill>
+                        <a:schemeClr val="tx1"/>
+                      </a:solidFill>
+                      <a:prstDash val="solid"/>
+                    </a:lnT>
+                    <a:lnB w="12700">
+                      <a:solidFill>
+                        <a:schemeClr val="tx1"/>
+                      </a:solidFill>
+                      <a:prstDash val="solid"/>
+                    </a:lnB>
+                    <a:solidFill>
+                      <a:schemeClr val="bg2">
+                        <a:lumMod val="75000"/>
+                      </a:schemeClr>
+                    </a:solidFill>
+                  </a:tcPr>
+                </a:tc>
+              </a:tr>
+              <a:tr h="304800">
+                <a:tc>
+                  <a:txBody>
+                    <a:bodyPr/>
+                    <a:p>
+                      <a:pPr algn="ctr">
+                        <a:buNone/>
+                      </a:pPr>
+                      <a:r>
+                        <a:rPr lang="x-none" sz="1400">
+                          <a:solidFill>
+                            <a:schemeClr val="tx1"/>
+                          </a:solidFill>
+                          <a:latin typeface="Liberation Sans Narrow" charset="0"/>
+                        </a:rPr>
+                        <a:t>[max_fds-1]</a:t>
+                      </a:r>
+                      <a:endParaRPr lang="x-none" sz="1400">
+                        <a:solidFill>
+                          <a:schemeClr val="tx1"/>
+                        </a:solidFill>
+                        <a:latin typeface="Liberation Sans Narrow" charset="0"/>
+                      </a:endParaRPr>
+                    </a:p>
+                  </a:txBody>
+                  <a:tcPr marL="36195" marR="36195" marT="36195" marB="36195">
+                    <a:lnL w="12700">
+                      <a:solidFill>
+                        <a:schemeClr val="tx1"/>
+                      </a:solidFill>
+                      <a:prstDash val="solid"/>
+                    </a:lnL>
+                    <a:lnR w="12700">
+                      <a:solidFill>
+                        <a:schemeClr val="tx1"/>
+                      </a:solidFill>
+                      <a:prstDash val="solid"/>
+                    </a:lnR>
+                    <a:lnT w="12700">
+                      <a:solidFill>
+                        <a:schemeClr val="tx1"/>
+                      </a:solidFill>
+                      <a:prstDash val="solid"/>
+                    </a:lnT>
+                    <a:lnB w="12700">
+                      <a:solidFill>
+                        <a:schemeClr val="tx1"/>
+                      </a:solidFill>
+                      <a:prstDash val="solid"/>
+                    </a:lnB>
+                    <a:noFill/>
+                  </a:tcPr>
+                </a:tc>
+              </a:tr>
+            </a:tbl>
+          </a:graphicData>
+        </a:graphic>
+      </p:graphicFrame>
+      <p:graphicFrame>
+        <p:nvGraphicFramePr>
+          <p:cNvPr id="2" name="Table 1"/>
+          <p:cNvGraphicFramePr/>
+          <p:nvPr/>
+        </p:nvGraphicFramePr>
+        <p:xfrm>
+          <a:off x="604520" y="562610"/>
+          <a:ext cx="1433195" cy="518160"/>
+        </p:xfrm>
+        <a:graphic>
+          <a:graphicData uri="http://schemas.openxmlformats.org/drawingml/2006/table">
+            <a:tbl>
+              <a:tblPr firstRow="1" bandRow="1">
+                <a:tableStyleId>{5C22544A-7EE6-4342-B048-85BDC9FD1C3A}</a:tableStyleId>
+              </a:tblPr>
+              <a:tblGrid>
+                <a:gridCol w="1433195"/>
+              </a:tblGrid>
+              <a:tr h="518160">
+                <a:tc>
+                  <a:txBody>
+                    <a:bodyPr/>
+                    <a:p>
+                      <a:pPr algn="ctr">
+                        <a:buNone/>
+                      </a:pPr>
+                      <a:r>
+                        <a:rPr lang="x-none" sz="1400">
+                          <a:solidFill>
+                            <a:schemeClr val="tx1"/>
+                          </a:solidFill>
+                          <a:latin typeface="Liberation Sans Narrow" charset="0"/>
+                        </a:rPr>
+                        <a:t>struct tast_struct* current</a:t>
+                      </a:r>
+                      <a:endParaRPr lang="x-none" sz="1400">
+                        <a:solidFill>
+                          <a:schemeClr val="tx1"/>
+                        </a:solidFill>
+                        <a:latin typeface="Liberation Sans Narrow" charset="0"/>
+                      </a:endParaRPr>
+                    </a:p>
+                  </a:txBody>
+                  <a:tcPr>
+                    <a:lnL w="12700">
+                      <a:solidFill>
+                        <a:schemeClr val="tx1"/>
+                      </a:solidFill>
+                      <a:prstDash val="solid"/>
+                    </a:lnL>
+                    <a:lnR w="12700">
+                      <a:solidFill>
+                        <a:schemeClr val="tx1"/>
+                      </a:solidFill>
+                      <a:prstDash val="solid"/>
+                    </a:lnR>
+                    <a:lnT w="12700">
+                      <a:solidFill>
+                        <a:schemeClr val="tx1"/>
+                      </a:solidFill>
+                      <a:prstDash val="solid"/>
+                    </a:lnT>
+                    <a:lnB w="12700">
+                      <a:solidFill>
+                        <a:schemeClr val="tx1"/>
+                      </a:solidFill>
+                      <a:prstDash val="solid"/>
+                    </a:lnB>
+                    <a:noFill/>
+                  </a:tcPr>
+                </a:tc>
+              </a:tr>
+            </a:tbl>
+          </a:graphicData>
+        </a:graphic>
+      </p:graphicFrame>
+      <p:cxnSp>
+        <p:nvCxnSpPr>
+          <p:cNvPr id="27" name="Elbow Connector 26"/>
+          <p:cNvCxnSpPr/>
+          <p:nvPr/>
+        </p:nvCxnSpPr>
+        <p:spPr>
+          <a:xfrm rot="5400000">
+            <a:off x="992788" y="461348"/>
+            <a:ext cx="576000" cy="1404000"/>
+          </a:xfrm>
+          <a:prstGeom prst="bentConnector3">
+            <a:avLst>
+              <a:gd name="adj1" fmla="val 44152"/>
+            </a:avLst>
+          </a:prstGeom>
+          <a:ln>
+            <a:solidFill>
+              <a:schemeClr val="tx1"/>
+            </a:solidFill>
+            <a:tailEnd type="arrow"/>
+          </a:ln>
+        </p:spPr>
+        <p:style>
+          <a:lnRef idx="1">
+            <a:schemeClr val="accent1"/>
+          </a:lnRef>
+          <a:fillRef idx="0">
+            <a:schemeClr val="accent1"/>
+          </a:fillRef>
+          <a:effectRef idx="0">
+            <a:schemeClr val="accent1"/>
+          </a:effectRef>
+          <a:fontRef idx="minor">
+            <a:schemeClr val="tx1"/>
+          </a:fontRef>
+        </p:style>
+      </p:cxnSp>
+      <p:cxnSp>
+        <p:nvCxnSpPr>
+          <p:cNvPr id="11" name="Elbow Connector 10"/>
+          <p:cNvCxnSpPr/>
+          <p:nvPr/>
+        </p:nvCxnSpPr>
+        <p:spPr>
+          <a:xfrm>
+            <a:off x="1990090" y="3092450"/>
+            <a:ext cx="72000" cy="828000"/>
+          </a:xfrm>
+          <a:prstGeom prst="bentConnector3">
+            <a:avLst>
+              <a:gd name="adj1" fmla="val 284079"/>
+            </a:avLst>
+          </a:prstGeom>
+          <a:ln>
+            <a:solidFill>
+              <a:schemeClr val="tx1"/>
+            </a:solidFill>
+            <a:tailEnd type="arrow"/>
+          </a:ln>
+        </p:spPr>
+        <p:style>
+          <a:lnRef idx="1">
+            <a:schemeClr val="accent1"/>
+          </a:lnRef>
+          <a:fillRef idx="0">
+            <a:schemeClr val="accent1"/>
+          </a:fillRef>
+          <a:effectRef idx="0">
+            <a:schemeClr val="accent1"/>
+          </a:effectRef>
+          <a:fontRef idx="minor">
+            <a:schemeClr val="tx1"/>
+          </a:fontRef>
+        </p:style>
+      </p:cxnSp>
+      <p:graphicFrame>
+        <p:nvGraphicFramePr>
+          <p:cNvPr id="19" name="Table 18"/>
+          <p:cNvGraphicFramePr/>
+          <p:nvPr/>
+        </p:nvGraphicFramePr>
+        <p:xfrm>
+          <a:off x="5334635" y="737235"/>
+          <a:ext cx="1846580" cy="2499360"/>
+        </p:xfrm>
+        <a:graphic>
+          <a:graphicData uri="http://schemas.openxmlformats.org/drawingml/2006/table">
+            <a:tbl>
+              <a:tblPr firstRow="1" bandRow="1">
+                <a:tableStyleId>{5C22544A-7EE6-4342-B048-85BDC9FD1C3A}</a:tableStyleId>
+              </a:tblPr>
+              <a:tblGrid>
+                <a:gridCol w="1846580"/>
+              </a:tblGrid>
+              <a:tr h="285750">
+                <a:tc>
+                  <a:txBody>
+                    <a:bodyPr/>
+                    <a:p>
+                      <a:pPr algn="ctr">
+                        <a:buNone/>
+                      </a:pPr>
+                      <a:r>
+                        <a:rPr lang="x-none" sz="1400">
+                          <a:solidFill>
+                            <a:schemeClr val="tx1"/>
+                          </a:solidFill>
+                          <a:latin typeface="Liberation Sans Narrow" charset="0"/>
+                        </a:rPr>
+                        <a:t>struct socket socket</a:t>
+                      </a:r>
+                      <a:endParaRPr lang="x-none" sz="1400">
+                        <a:solidFill>
+                          <a:schemeClr val="tx1"/>
+                        </a:solidFill>
+                        <a:latin typeface="Liberation Sans Narrow" charset="0"/>
+                      </a:endParaRPr>
+                    </a:p>
+                  </a:txBody>
+                  <a:tcPr marL="36195" marR="36195" marT="36195" marB="36195">
+                    <a:lnL>
+                      <a:noFill/>
+                    </a:lnL>
+                    <a:lnR>
+                      <a:noFill/>
+                    </a:lnR>
+                    <a:lnT>
+                      <a:noFill/>
+                    </a:lnT>
+                    <a:lnB w="12700">
+                      <a:solidFill>
+                        <a:schemeClr val="tx1"/>
+                      </a:solidFill>
+                      <a:prstDash val="solid"/>
+                    </a:lnB>
+                    <a:lnTlToBr>
+                      <a:noFill/>
+                    </a:lnTlToBr>
+                    <a:lnBlToTr>
+                      <a:noFill/>
+                    </a:lnBlToTr>
+                    <a:noFill/>
+                  </a:tcPr>
+                </a:tc>
+              </a:tr>
+              <a:tr h="285750">
+                <a:tc>
+                  <a:txBody>
+                    <a:bodyPr/>
+                    <a:p>
+                      <a:pPr algn="ctr">
+                        <a:buNone/>
+                      </a:pPr>
+                      <a:r>
+                        <a:rPr lang="x-none" sz="1400">
+                          <a:solidFill>
+                            <a:schemeClr val="tx1"/>
+                          </a:solidFill>
+                          <a:latin typeface="Liberation Sans Narrow" charset="0"/>
+                        </a:rPr>
+                        <a:t>socket_state state</a:t>
+                      </a:r>
+                      <a:endParaRPr lang="x-none" sz="1400">
+                        <a:solidFill>
+                          <a:schemeClr val="tx1"/>
+                        </a:solidFill>
+                        <a:latin typeface="Liberation Sans Narrow" charset="0"/>
+                      </a:endParaRPr>
+                    </a:p>
+                  </a:txBody>
+                  <a:tcPr marL="36195" marR="36195" marT="36195" marB="36195">
+                    <a:lnL w="12700">
+                      <a:solidFill>
+                        <a:schemeClr val="tx1"/>
+                      </a:solidFill>
+                      <a:prstDash val="solid"/>
+                    </a:lnL>
+                    <a:lnR w="12700">
+                      <a:solidFill>
+                        <a:schemeClr val="tx1"/>
+                      </a:solidFill>
+                      <a:prstDash val="solid"/>
+                    </a:lnR>
+                    <a:lnT w="12700">
+                      <a:solidFill>
+                        <a:schemeClr val="tx1"/>
+                      </a:solidFill>
+                      <a:prstDash val="solid"/>
+                    </a:lnT>
+                    <a:lnB w="12700">
+                      <a:solidFill>
+                        <a:schemeClr val="tx1"/>
+                      </a:solidFill>
+                      <a:prstDash val="solid"/>
+                    </a:lnB>
+                    <a:noFill/>
+                  </a:tcPr>
+                </a:tc>
+              </a:tr>
+              <a:tr h="285750">
+                <a:tc>
+                  <a:txBody>
+                    <a:bodyPr/>
+                    <a:p>
+                      <a:pPr algn="ctr">
+                        <a:buNone/>
+                      </a:pPr>
+                      <a:r>
+                        <a:rPr lang="x-none" sz="1400">
+                          <a:solidFill>
+                            <a:schemeClr val="tx1"/>
+                          </a:solidFill>
+                          <a:latin typeface="Liberation Sans Narrow" charset="0"/>
+                        </a:rPr>
+                        <a:t>short type</a:t>
+                      </a:r>
+                      <a:endParaRPr lang="x-none" sz="1400">
+                        <a:solidFill>
+                          <a:schemeClr val="tx1"/>
+                        </a:solidFill>
+                        <a:latin typeface="Liberation Sans Narrow" charset="0"/>
+                      </a:endParaRPr>
+                    </a:p>
+                  </a:txBody>
+                  <a:tcPr marL="36195" marR="36195" marT="36195" marB="36195">
+                    <a:lnL w="12700">
+                      <a:solidFill>
+                        <a:schemeClr val="tx1"/>
+                      </a:solidFill>
+                      <a:prstDash val="solid"/>
+                    </a:lnL>
+                    <a:lnR w="12700">
+                      <a:solidFill>
+                        <a:schemeClr val="tx1"/>
+                      </a:solidFill>
+                      <a:prstDash val="solid"/>
+                    </a:lnR>
+                    <a:lnT w="12700">
+                      <a:solidFill>
+                        <a:schemeClr val="tx1"/>
+                      </a:solidFill>
+                      <a:prstDash val="solid"/>
+                    </a:lnT>
+                    <a:lnB w="12700">
+                      <a:solidFill>
+                        <a:schemeClr val="tx1"/>
+                      </a:solidFill>
+                      <a:prstDash val="solid"/>
+                    </a:lnB>
+                    <a:noFill/>
+                  </a:tcPr>
+                </a:tc>
+              </a:tr>
+              <a:tr h="285750">
+                <a:tc>
+                  <a:txBody>
+                    <a:bodyPr/>
+                    <a:p>
+                      <a:pPr algn="ctr">
+                        <a:buNone/>
+                      </a:pPr>
+                      <a:r>
+                        <a:rPr lang="x-none" sz="1400">
+                          <a:solidFill>
+                            <a:schemeClr val="tx1"/>
+                          </a:solidFill>
+                          <a:latin typeface="Liberation Sans Narrow" charset="0"/>
+                        </a:rPr>
+                        <a:t>unsigned long flags</a:t>
+                      </a:r>
+                      <a:endParaRPr lang="x-none" sz="1400">
+                        <a:solidFill>
+                          <a:schemeClr val="tx1"/>
+                        </a:solidFill>
+                        <a:latin typeface="Liberation Sans Narrow" charset="0"/>
+                      </a:endParaRPr>
+                    </a:p>
+                  </a:txBody>
+                  <a:tcPr marL="36195" marR="36195" marT="36195" marB="36195">
+                    <a:lnL w="12700">
+                      <a:solidFill>
+                        <a:schemeClr val="tx1"/>
+                      </a:solidFill>
+                      <a:prstDash val="solid"/>
+                    </a:lnL>
+                    <a:lnR w="12700">
+                      <a:solidFill>
+                        <a:schemeClr val="tx1"/>
+                      </a:solidFill>
+                      <a:prstDash val="solid"/>
+                    </a:lnR>
+                    <a:lnT w="12700">
+                      <a:solidFill>
+                        <a:schemeClr val="tx1"/>
+                      </a:solidFill>
+                      <a:prstDash val="solid"/>
+                    </a:lnT>
+                    <a:lnB w="12700">
+                      <a:solidFill>
+                        <a:schemeClr val="tx1"/>
+                      </a:solidFill>
+                      <a:prstDash val="solid"/>
+                    </a:lnB>
+                    <a:noFill/>
+                  </a:tcPr>
+                </a:tc>
+              </a:tr>
+              <a:tr h="285750">
+                <a:tc>
+                  <a:txBody>
+                    <a:bodyPr/>
+                    <a:p>
+                      <a:pPr algn="ctr">
+                        <a:buNone/>
+                      </a:pPr>
+                      <a:r>
+                        <a:rPr lang="x-none" sz="1400">
+                          <a:solidFill>
+                            <a:schemeClr val="tx1"/>
+                          </a:solidFill>
+                          <a:latin typeface="Liberation Sans Narrow" charset="0"/>
+                        </a:rPr>
+                        <a:t>struct socket_wq* wq</a:t>
+                      </a:r>
+                      <a:endParaRPr lang="x-none" sz="1400">
+                        <a:solidFill>
+                          <a:schemeClr val="tx1"/>
+                        </a:solidFill>
+                        <a:latin typeface="Liberation Sans Narrow" charset="0"/>
+                      </a:endParaRPr>
+                    </a:p>
+                  </a:txBody>
+                  <a:tcPr marL="36195" marR="36195" marT="36195" marB="36195">
+                    <a:lnL w="12700">
+                      <a:solidFill>
+                        <a:schemeClr val="tx1"/>
+                      </a:solidFill>
+                      <a:prstDash val="solid"/>
+                    </a:lnL>
+                    <a:lnR w="12700">
+                      <a:solidFill>
+                        <a:schemeClr val="tx1"/>
+                      </a:solidFill>
+                      <a:prstDash val="solid"/>
+                    </a:lnR>
+                    <a:lnT w="12700">
+                      <a:solidFill>
+                        <a:schemeClr val="tx1"/>
+                      </a:solidFill>
+                      <a:prstDash val="solid"/>
+                    </a:lnT>
+                    <a:lnB w="12700">
+                      <a:solidFill>
+                        <a:schemeClr val="tx1"/>
+                      </a:solidFill>
+                      <a:prstDash val="solid"/>
+                    </a:lnB>
+                    <a:noFill/>
+                  </a:tcPr>
+                </a:tc>
+              </a:tr>
+              <a:tr h="285750">
+                <a:tc>
+                  <a:txBody>
+                    <a:bodyPr/>
+                    <a:p>
+                      <a:pPr algn="ctr">
+                        <a:buNone/>
+                      </a:pPr>
+                      <a:r>
+                        <a:rPr lang="x-none" sz="1400">
+                          <a:solidFill>
+                            <a:schemeClr val="tx1"/>
+                          </a:solidFill>
+                          <a:latin typeface="Liberation Sans Narrow" charset="0"/>
+                        </a:rPr>
+                        <a:t>struct file* file</a:t>
+                      </a:r>
+                      <a:endParaRPr lang="x-none" sz="1400">
+                        <a:solidFill>
+                          <a:schemeClr val="tx1"/>
+                        </a:solidFill>
+                        <a:latin typeface="Liberation Sans Narrow" charset="0"/>
+                      </a:endParaRPr>
+                    </a:p>
+                  </a:txBody>
+                  <a:tcPr marL="36195" marR="36195" marT="36195" marB="36195">
+                    <a:lnL w="12700">
+                      <a:solidFill>
+                        <a:schemeClr val="tx1"/>
+                      </a:solidFill>
+                      <a:prstDash val="solid"/>
+                    </a:lnL>
+                    <a:lnR w="12700">
+                      <a:solidFill>
+                        <a:schemeClr val="tx1"/>
+                      </a:solidFill>
+                      <a:prstDash val="solid"/>
+                    </a:lnR>
+                    <a:lnT w="12700">
+                      <a:solidFill>
+                        <a:schemeClr val="tx1"/>
+                      </a:solidFill>
+                      <a:prstDash val="solid"/>
+                    </a:lnT>
+                    <a:lnB w="12700">
+                      <a:solidFill>
+                        <a:schemeClr val="tx1"/>
+                      </a:solidFill>
+                      <a:prstDash val="solid"/>
+                    </a:lnB>
+                    <a:noFill/>
+                  </a:tcPr>
+                </a:tc>
+              </a:tr>
+              <a:tr h="285750">
+                <a:tc>
+                  <a:txBody>
+                    <a:bodyPr/>
+                    <a:p>
+                      <a:pPr algn="ctr">
+                        <a:buNone/>
+                      </a:pPr>
+                      <a:r>
+                        <a:rPr lang="x-none" sz="1400">
+                          <a:solidFill>
+                            <a:schemeClr val="tx1"/>
+                          </a:solidFill>
+                          <a:latin typeface="Liberation Sans Narrow" charset="0"/>
+                        </a:rPr>
+                        <a:t>struct sock* sk</a:t>
+                      </a:r>
+                      <a:endParaRPr lang="x-none" sz="1400">
+                        <a:solidFill>
+                          <a:schemeClr val="tx1"/>
+                        </a:solidFill>
+                        <a:latin typeface="Liberation Sans Narrow" charset="0"/>
+                      </a:endParaRPr>
+                    </a:p>
+                  </a:txBody>
+                  <a:tcPr marL="36195" marR="36195" marT="36195" marB="36195">
+                    <a:lnL w="12700">
+                      <a:solidFill>
+                        <a:schemeClr val="tx1"/>
+                      </a:solidFill>
+                      <a:prstDash val="solid"/>
+                    </a:lnL>
+                    <a:lnR w="12700">
+                      <a:solidFill>
+                        <a:schemeClr val="tx1"/>
+                      </a:solidFill>
+                      <a:prstDash val="solid"/>
+                    </a:lnR>
+                    <a:lnT w="12700">
+                      <a:solidFill>
+                        <a:schemeClr val="tx1"/>
+                      </a:solidFill>
+                      <a:prstDash val="solid"/>
+                    </a:lnT>
+                    <a:lnB w="12700">
+                      <a:solidFill>
+                        <a:schemeClr val="tx1"/>
+                      </a:solidFill>
+                      <a:prstDash val="solid"/>
+                    </a:lnB>
+                    <a:noFill/>
+                  </a:tcPr>
+                </a:tc>
+              </a:tr>
+              <a:tr h="499110">
+                <a:tc>
+                  <a:txBody>
+                    <a:bodyPr/>
+                    <a:p>
+                      <a:pPr algn="ctr">
+                        <a:buNone/>
+                      </a:pPr>
+                      <a:r>
+                        <a:rPr lang="x-none" sz="1400">
+                          <a:solidFill>
+                            <a:schemeClr val="tx1"/>
+                          </a:solidFill>
+                          <a:latin typeface="Liberation Sans Narrow" charset="0"/>
+                        </a:rPr>
+                        <a:t>const struct proto_ops *ops = &amp;inet_stream_ops</a:t>
+                      </a:r>
+                      <a:endParaRPr lang="x-none" sz="1400">
+                        <a:solidFill>
+                          <a:schemeClr val="tx1"/>
+                        </a:solidFill>
+                        <a:latin typeface="Liberation Sans Narrow" charset="0"/>
+                      </a:endParaRPr>
+                    </a:p>
+                  </a:txBody>
+                  <a:tcPr marL="36195" marR="36195" marT="36195" marB="36195">
+                    <a:lnL w="12700">
+                      <a:solidFill>
+                        <a:schemeClr val="tx1"/>
+                      </a:solidFill>
+                      <a:prstDash val="solid"/>
+                    </a:lnL>
+                    <a:lnR w="12700">
+                      <a:solidFill>
+                        <a:schemeClr val="tx1"/>
+                      </a:solidFill>
+                      <a:prstDash val="solid"/>
+                    </a:lnR>
+                    <a:lnT w="12700">
+                      <a:solidFill>
+                        <a:schemeClr val="tx1"/>
+                      </a:solidFill>
+                      <a:prstDash val="solid"/>
+                    </a:lnT>
+                    <a:lnB w="12700">
+                      <a:solidFill>
+                        <a:schemeClr val="tx1"/>
+                      </a:solidFill>
+                      <a:prstDash val="solid"/>
+                    </a:lnB>
+                    <a:noFill/>
+                  </a:tcPr>
+                </a:tc>
+              </a:tr>
+            </a:tbl>
+          </a:graphicData>
+        </a:graphic>
+      </p:graphicFrame>
+      <p:cxnSp>
+        <p:nvCxnSpPr>
+          <p:cNvPr id="25" name="Elbow Connector 24"/>
+          <p:cNvCxnSpPr/>
+          <p:nvPr/>
+        </p:nvCxnSpPr>
+        <p:spPr>
+          <a:xfrm rot="10800000" flipV="1">
+            <a:off x="4398390" y="2340990"/>
+            <a:ext cx="1008000" cy="1008000"/>
+          </a:xfrm>
+          <a:prstGeom prst="bentConnector3">
+            <a:avLst>
+              <a:gd name="adj1" fmla="val 22300"/>
+            </a:avLst>
+          </a:prstGeom>
+          <a:ln>
+            <a:solidFill>
+              <a:schemeClr val="tx1"/>
+            </a:solidFill>
+            <a:tailEnd type="arrow"/>
+          </a:ln>
+        </p:spPr>
+        <p:style>
+          <a:lnRef idx="1">
+            <a:schemeClr val="accent1"/>
+          </a:lnRef>
+          <a:fillRef idx="0">
+            <a:schemeClr val="accent1"/>
+          </a:fillRef>
+          <a:effectRef idx="0">
+            <a:schemeClr val="accent1"/>
+          </a:effectRef>
+          <a:fontRef idx="minor">
+            <a:schemeClr val="tx1"/>
+          </a:fontRef>
+        </p:style>
+      </p:cxnSp>
+      <p:graphicFrame>
+        <p:nvGraphicFramePr>
+          <p:cNvPr id="15" name="Table 14"/>
+          <p:cNvGraphicFramePr/>
+          <p:nvPr/>
+        </p:nvGraphicFramePr>
+        <p:xfrm>
+          <a:off x="2673350" y="3030220"/>
+          <a:ext cx="1718310" cy="4511040"/>
+        </p:xfrm>
+        <a:graphic>
+          <a:graphicData uri="http://schemas.openxmlformats.org/drawingml/2006/table">
+            <a:tbl>
+              <a:tblPr firstRow="1" bandRow="1">
+                <a:tableStyleId>{5C22544A-7EE6-4342-B048-85BDC9FD1C3A}</a:tableStyleId>
+              </a:tblPr>
+              <a:tblGrid>
+                <a:gridCol w="1718310"/>
+              </a:tblGrid>
+              <a:tr h="304800">
+                <a:tc>
+                  <a:txBody>
+                    <a:bodyPr/>
+                    <a:p>
+                      <a:pPr algn="ctr">
+                        <a:buNone/>
+                      </a:pPr>
+                      <a:r>
+                        <a:rPr lang="x-none" sz="1400">
+                          <a:solidFill>
+                            <a:schemeClr val="tx1"/>
+                          </a:solidFill>
+                          <a:latin typeface="Liberation Sans Narrow" charset="0"/>
+                        </a:rPr>
+                        <a:t>struct file {}</a:t>
+                      </a:r>
+                      <a:endParaRPr lang="x-none" sz="1400">
+                        <a:solidFill>
+                          <a:schemeClr val="tx1"/>
+                        </a:solidFill>
+                        <a:latin typeface="Liberation Sans Narrow" charset="0"/>
+                      </a:endParaRPr>
+                    </a:p>
+                  </a:txBody>
+                  <a:tcPr>
+                    <a:lnL>
+                      <a:noFill/>
+                    </a:lnL>
+                    <a:lnR>
+                      <a:noFill/>
+                    </a:lnR>
+                    <a:lnT>
+                      <a:noFill/>
+                    </a:lnT>
+                    <a:lnB w="12700">
+                      <a:solidFill>
+                        <a:schemeClr val="tx1"/>
+                      </a:solidFill>
+                      <a:prstDash val="solid"/>
+                    </a:lnB>
+                    <a:lnTlToBr>
+                      <a:noFill/>
+                    </a:lnTlToBr>
+                    <a:lnBlToTr>
+                      <a:noFill/>
+                    </a:lnBlToTr>
+                    <a:noFill/>
+                  </a:tcPr>
+                </a:tc>
+              </a:tr>
+              <a:tr h="304800">
+                <a:tc>
+                  <a:txBody>
+                    <a:bodyPr/>
+                    <a:p>
+                      <a:pPr algn="ctr">
+                        <a:buNone/>
+                      </a:pPr>
+                      <a:r>
+                        <a:rPr lang="x-none" sz="1400">
+                          <a:solidFill>
+                            <a:schemeClr val="tx1"/>
+                          </a:solidFill>
+                          <a:latin typeface="Liberation Sans Narrow" charset="0"/>
+                        </a:rPr>
+                        <a:t>...</a:t>
+                      </a:r>
+                      <a:endParaRPr lang="x-none" sz="1400">
+                        <a:solidFill>
+                          <a:schemeClr val="tx1"/>
+                        </a:solidFill>
+                        <a:latin typeface="Liberation Sans Narrow" charset="0"/>
+                      </a:endParaRPr>
+                    </a:p>
+                  </a:txBody>
+                  <a:tcPr>
+                    <a:lnL w="12700">
+                      <a:solidFill>
+                        <a:schemeClr val="tx1"/>
+                      </a:solidFill>
+                      <a:prstDash val="solid"/>
+                    </a:lnL>
+                    <a:lnR w="12700">
+                      <a:solidFill>
+                        <a:schemeClr val="tx1"/>
+                      </a:solidFill>
+                      <a:prstDash val="solid"/>
+                    </a:lnR>
+                    <a:lnT w="12700">
+                      <a:solidFill>
+                        <a:schemeClr val="tx1"/>
+                      </a:solidFill>
+                      <a:prstDash val="solid"/>
+                    </a:lnT>
+                    <a:lnB w="12700">
+                      <a:solidFill>
+                        <a:schemeClr val="tx1"/>
+                      </a:solidFill>
+                      <a:prstDash val="solid"/>
+                    </a:lnB>
+                    <a:solidFill>
+                      <a:schemeClr val="bg2">
+                        <a:lumMod val="75000"/>
+                      </a:schemeClr>
+                    </a:solidFill>
+                  </a:tcPr>
+                </a:tc>
+              </a:tr>
+              <a:tr h="731520">
+                <a:tc>
+                  <a:txBody>
+                    <a:bodyPr/>
+                    <a:p>
+                      <a:pPr algn="ctr">
+                        <a:buNone/>
+                      </a:pPr>
+                      <a:r>
+                        <a:rPr lang="x-none" sz="1400">
+                          <a:solidFill>
+                            <a:schemeClr val="tx1"/>
+                          </a:solidFill>
+                          <a:latin typeface="Liberation Sans Narrow" charset="0"/>
+                        </a:rPr>
+                        <a:t>struct path</a:t>
+                      </a:r>
+                      <a:endParaRPr lang="x-none" sz="1400">
+                        <a:solidFill>
+                          <a:schemeClr val="tx1"/>
+                        </a:solidFill>
+                        <a:latin typeface="Liberation Sans Narrow" charset="0"/>
+                      </a:endParaRPr>
+                    </a:p>
+                    <a:p>
+                      <a:pPr algn="ctr">
+                        <a:buNone/>
+                      </a:pPr>
+                      <a:endParaRPr lang="x-none" sz="1400">
+                        <a:solidFill>
+                          <a:schemeClr val="tx1"/>
+                        </a:solidFill>
+                        <a:latin typeface="Liberation Sans Narrow" charset="0"/>
+                      </a:endParaRPr>
+                    </a:p>
+                    <a:p>
+                      <a:pPr algn="ctr">
+                        <a:buNone/>
+                      </a:pPr>
+                      <a:endParaRPr lang="x-none" sz="1400">
+                        <a:solidFill>
+                          <a:schemeClr val="tx1"/>
+                        </a:solidFill>
+                        <a:latin typeface="Liberation Sans Narrow" charset="0"/>
+                      </a:endParaRPr>
+                    </a:p>
+                    <a:p>
+                      <a:pPr algn="ctr">
+                        <a:buNone/>
+                      </a:pPr>
+                      <a:endParaRPr lang="x-none" sz="1400">
+                        <a:solidFill>
+                          <a:schemeClr val="tx1"/>
+                        </a:solidFill>
+                        <a:latin typeface="Liberation Sans Narrow" charset="0"/>
+                      </a:endParaRPr>
+                    </a:p>
+                  </a:txBody>
+                  <a:tcPr>
+                    <a:lnL w="12700">
+                      <a:solidFill>
+                        <a:schemeClr val="tx1"/>
+                      </a:solidFill>
+                      <a:prstDash val="solid"/>
+                    </a:lnL>
+                    <a:lnR w="12700">
+                      <a:solidFill>
+                        <a:schemeClr val="tx1"/>
+                      </a:solidFill>
+                      <a:prstDash val="solid"/>
+                    </a:lnR>
+                    <a:lnT w="12700">
+                      <a:solidFill>
+                        <a:schemeClr val="tx1"/>
+                      </a:solidFill>
+                      <a:prstDash val="solid"/>
+                    </a:lnT>
+                    <a:lnB w="12700">
+                      <a:solidFill>
+                        <a:schemeClr val="tx1"/>
+                      </a:solidFill>
+                      <a:prstDash val="solid"/>
+                    </a:lnB>
+                    <a:noFill/>
+                  </a:tcPr>
+                </a:tc>
+              </a:tr>
+              <a:tr h="304800">
+                <a:tc>
+                  <a:txBody>
+                    <a:bodyPr/>
+                    <a:p>
+                      <a:pPr algn="ctr">
+                        <a:buNone/>
+                      </a:pPr>
+                      <a:r>
+                        <a:rPr lang="x-none" sz="1400">
+                          <a:solidFill>
+                            <a:schemeClr val="tx1"/>
+                          </a:solidFill>
+                          <a:latin typeface="Liberation Sans Narrow" charset="0"/>
+                        </a:rPr>
+                        <a:t>struct inode* f_inode</a:t>
+                      </a:r>
+                      <a:endParaRPr lang="x-none" sz="1400">
+                        <a:solidFill>
+                          <a:schemeClr val="tx1"/>
+                        </a:solidFill>
+                        <a:latin typeface="Liberation Sans Narrow" charset="0"/>
+                      </a:endParaRPr>
+                    </a:p>
+                  </a:txBody>
+                  <a:tcPr>
+                    <a:lnL w="12700">
+                      <a:solidFill>
+                        <a:schemeClr val="tx1"/>
+                      </a:solidFill>
+                      <a:prstDash val="solid"/>
+                    </a:lnL>
+                    <a:lnR w="12700">
+                      <a:solidFill>
+                        <a:schemeClr val="tx1"/>
+                      </a:solidFill>
+                      <a:prstDash val="solid"/>
+                    </a:lnR>
+                    <a:lnT w="12700">
+                      <a:solidFill>
+                        <a:schemeClr val="tx1"/>
+                      </a:solidFill>
+                      <a:prstDash val="solid"/>
+                    </a:lnT>
+                    <a:lnB w="12700">
+                      <a:solidFill>
+                        <a:schemeClr val="tx1"/>
+                      </a:solidFill>
+                      <a:prstDash val="solid"/>
+                    </a:lnB>
+                    <a:noFill/>
+                  </a:tcPr>
+                </a:tc>
+              </a:tr>
+              <a:tr h="304800">
+                <a:tc>
+                  <a:txBody>
+                    <a:bodyPr/>
+                    <a:p>
+                      <a:pPr algn="ctr">
+                        <a:buNone/>
+                      </a:pPr>
+                      <a:r>
+                        <a:rPr lang="x-none" sz="1400">
+                          <a:solidFill>
+                            <a:schemeClr val="tx1"/>
+                          </a:solidFill>
+                          <a:latin typeface="Liberation Sans Narrow" charset="0"/>
+                        </a:rPr>
+                        <a:t>...</a:t>
+                      </a:r>
+                      <a:endParaRPr lang="x-none" sz="1400">
+                        <a:solidFill>
+                          <a:schemeClr val="tx1"/>
+                        </a:solidFill>
+                        <a:latin typeface="Liberation Sans Narrow" charset="0"/>
+                      </a:endParaRPr>
+                    </a:p>
+                  </a:txBody>
+                  <a:tcPr>
+                    <a:lnL w="12700">
+                      <a:solidFill>
+                        <a:schemeClr val="tx1"/>
+                      </a:solidFill>
+                      <a:prstDash val="solid"/>
+                    </a:lnL>
+                    <a:lnR w="12700">
+                      <a:solidFill>
+                        <a:schemeClr val="tx1"/>
+                      </a:solidFill>
+                      <a:prstDash val="solid"/>
+                    </a:lnR>
+                    <a:lnT w="12700">
+                      <a:solidFill>
+                        <a:schemeClr val="tx1"/>
+                      </a:solidFill>
+                      <a:prstDash val="solid"/>
+                    </a:lnT>
+                    <a:lnB w="12700">
+                      <a:solidFill>
+                        <a:schemeClr val="tx1"/>
+                      </a:solidFill>
+                      <a:prstDash val="solid"/>
+                    </a:lnB>
+                    <a:solidFill>
+                      <a:schemeClr val="bg2">
+                        <a:lumMod val="75000"/>
+                      </a:schemeClr>
+                    </a:solidFill>
+                  </a:tcPr>
+                </a:tc>
+              </a:tr>
+              <a:tr h="304800">
+                <a:tc>
+                  <a:txBody>
+                    <a:bodyPr/>
+                    <a:p>
+                      <a:pPr algn="ctr">
+                        <a:buNone/>
+                      </a:pPr>
+                      <a:r>
+                        <a:rPr lang="x-none" sz="1400">
+                          <a:solidFill>
+                            <a:schemeClr val="tx1"/>
+                          </a:solidFill>
+                          <a:latin typeface="Liberation Sans Narrow" charset="0"/>
+                        </a:rPr>
+                        <a:t>void* private_data</a:t>
+                      </a:r>
+                      <a:endParaRPr lang="x-none" sz="1400">
+                        <a:solidFill>
+                          <a:schemeClr val="tx1"/>
+                        </a:solidFill>
+                        <a:latin typeface="Liberation Sans Narrow" charset="0"/>
+                      </a:endParaRPr>
+                    </a:p>
+                  </a:txBody>
+                  <a:tcPr>
+                    <a:lnL w="12700">
+                      <a:solidFill>
+                        <a:schemeClr val="tx1"/>
+                      </a:solidFill>
+                      <a:prstDash val="solid"/>
+                    </a:lnL>
+                    <a:lnR w="12700">
+                      <a:solidFill>
+                        <a:schemeClr val="tx1"/>
+                      </a:solidFill>
+                      <a:prstDash val="solid"/>
+                    </a:lnR>
+                    <a:lnT w="12700">
+                      <a:solidFill>
+                        <a:schemeClr val="tx1"/>
+                      </a:solidFill>
+                      <a:prstDash val="solid"/>
+                    </a:lnT>
+                    <a:lnB w="12700">
+                      <a:solidFill>
+                        <a:schemeClr val="tx1"/>
+                      </a:solidFill>
+                      <a:prstDash val="solid"/>
+                    </a:lnB>
+                    <a:noFill/>
+                  </a:tcPr>
+                </a:tc>
+              </a:tr>
+              <a:tr h="304800">
+                <a:tc>
+                  <a:txBody>
+                    <a:bodyPr/>
+                    <a:p>
+                      <a:pPr algn="ctr">
+                        <a:buNone/>
+                      </a:pPr>
+                      <a:r>
+                        <a:rPr lang="x-none" sz="1400">
+                          <a:solidFill>
+                            <a:schemeClr val="tx1"/>
+                          </a:solidFill>
+                          <a:latin typeface="Liberation Sans Narrow" charset="0"/>
+                        </a:rPr>
+                        <a:t>struct address_space* f_mapping</a:t>
+                      </a:r>
+                      <a:endParaRPr lang="x-none" sz="1400">
+                        <a:solidFill>
+                          <a:schemeClr val="tx1"/>
+                        </a:solidFill>
+                        <a:latin typeface="Liberation Sans Narrow" charset="0"/>
+                      </a:endParaRPr>
+                    </a:p>
+                  </a:txBody>
+                  <a:tcPr>
+                    <a:lnL w="12700">
+                      <a:solidFill>
+                        <a:schemeClr val="tx1"/>
+                      </a:solidFill>
+                      <a:prstDash val="solid"/>
+                    </a:lnL>
+                    <a:lnR w="12700">
+                      <a:solidFill>
+                        <a:schemeClr val="tx1"/>
+                      </a:solidFill>
+                      <a:prstDash val="solid"/>
+                    </a:lnR>
+                    <a:lnT w="12700">
+                      <a:solidFill>
+                        <a:schemeClr val="tx1"/>
+                      </a:solidFill>
+                      <a:prstDash val="solid"/>
+                    </a:lnT>
+                    <a:lnB w="12700">
+                      <a:solidFill>
+                        <a:schemeClr val="tx1"/>
+                      </a:solidFill>
+                      <a:prstDash val="solid"/>
+                    </a:lnB>
+                    <a:noFill/>
+                  </a:tcPr>
+                </a:tc>
+              </a:tr>
+            </a:tbl>
+          </a:graphicData>
+        </a:graphic>
+      </p:graphicFrame>
+      <p:graphicFrame>
+        <p:nvGraphicFramePr>
+          <p:cNvPr id="16" name="Table 15"/>
+          <p:cNvGraphicFramePr/>
+          <p:nvPr/>
+        </p:nvGraphicFramePr>
+        <p:xfrm>
+          <a:off x="2823845" y="3946525"/>
+          <a:ext cx="1432560" cy="548640"/>
+        </p:xfrm>
+        <a:graphic>
+          <a:graphicData uri="http://schemas.openxmlformats.org/drawingml/2006/table">
+            <a:tbl>
+              <a:tblPr firstRow="1" bandRow="1">
+                <a:tableStyleId>{5C22544A-7EE6-4342-B048-85BDC9FD1C3A}</a:tableStyleId>
+              </a:tblPr>
+              <a:tblGrid>
+                <a:gridCol w="1432560"/>
+              </a:tblGrid>
+              <a:tr h="274320">
+                <a:tc>
+                  <a:txBody>
+                    <a:bodyPr/>
+                    <a:p>
+                      <a:pPr>
+                        <a:buNone/>
+                      </a:pPr>
+                      <a:r>
+                        <a:rPr lang="x-none" sz="1200" b="0">
+                          <a:solidFill>
+                            <a:schemeClr val="tx1"/>
+                          </a:solidFill>
+                          <a:latin typeface="Liberation Sans Narrow" charset="0"/>
+                          <a:sym typeface="+mn-ea"/>
+                        </a:rPr>
+                        <a:t>struct vfsmount* mnt</a:t>
+                      </a:r>
+                      <a:endParaRPr lang="x-none" sz="1200" b="0">
+                        <a:solidFill>
+                          <a:schemeClr val="tx1"/>
+                        </a:solidFill>
+                        <a:latin typeface="Liberation Sans Narrow" charset="0"/>
+                        <a:sym typeface="+mn-ea"/>
+                      </a:endParaRPr>
+                    </a:p>
+                  </a:txBody>
+                  <a:tcPr>
+                    <a:lnL w="12700">
+                      <a:solidFill>
+                        <a:schemeClr val="tx1"/>
+                      </a:solidFill>
+                      <a:prstDash val="solid"/>
+                    </a:lnL>
+                    <a:lnR w="12700">
+                      <a:solidFill>
+                        <a:schemeClr val="tx1"/>
+                      </a:solidFill>
+                      <a:prstDash val="solid"/>
+                    </a:lnR>
+                    <a:lnT w="12700">
+                      <a:solidFill>
+                        <a:schemeClr val="tx1"/>
+                      </a:solidFill>
+                      <a:prstDash val="solid"/>
+                    </a:lnT>
+                    <a:lnB w="12700">
+                      <a:solidFill>
+                        <a:schemeClr val="tx1"/>
+                      </a:solidFill>
+                      <a:prstDash val="solid"/>
+                    </a:lnB>
+                    <a:noFill/>
+                  </a:tcPr>
+                </a:tc>
+              </a:tr>
+              <a:tr h="274320">
+                <a:tc>
+                  <a:txBody>
+                    <a:bodyPr/>
+                    <a:p>
+                      <a:pPr>
+                        <a:buNone/>
+                      </a:pPr>
+                      <a:r>
+                        <a:rPr lang="x-none" sz="1200" b="0">
+                          <a:solidFill>
+                            <a:schemeClr val="tx1"/>
+                          </a:solidFill>
+                          <a:latin typeface="Liberation Sans Narrow" charset="0"/>
+                          <a:sym typeface="+mn-ea"/>
+                        </a:rPr>
+                        <a:t>struct dentry* dentry</a:t>
+                      </a:r>
+                      <a:endParaRPr lang="x-none" sz="1200" b="0">
+                        <a:solidFill>
+                          <a:schemeClr val="tx1"/>
+                        </a:solidFill>
+                        <a:latin typeface="Liberation Sans Narrow" charset="0"/>
+                        <a:sym typeface="+mn-ea"/>
+                      </a:endParaRPr>
+                    </a:p>
+                  </a:txBody>
+                  <a:tcPr>
+                    <a:lnL w="12700">
+                      <a:solidFill>
+                        <a:schemeClr val="tx1"/>
+                      </a:solidFill>
+                      <a:prstDash val="solid"/>
+                    </a:lnL>
+                    <a:lnR w="12700">
+                      <a:solidFill>
+                        <a:schemeClr val="tx1"/>
+                      </a:solidFill>
+                      <a:prstDash val="solid"/>
+                    </a:lnR>
+                    <a:lnT w="12700">
+                      <a:solidFill>
+                        <a:schemeClr val="tx1"/>
+                      </a:solidFill>
+                      <a:prstDash val="solid"/>
+                    </a:lnT>
+                    <a:lnB w="12700">
+                      <a:solidFill>
+                        <a:schemeClr val="tx1"/>
+                      </a:solidFill>
+                      <a:prstDash val="solid"/>
+                    </a:lnB>
+                    <a:noFill/>
+                  </a:tcPr>
+                </a:tc>
+              </a:tr>
+            </a:tbl>
+          </a:graphicData>
+        </a:graphic>
+      </p:graphicFrame>
+      <p:graphicFrame>
+        <p:nvGraphicFramePr>
+          <p:cNvPr id="17" name="Table 16"/>
+          <p:cNvGraphicFramePr/>
+          <p:nvPr/>
+        </p:nvGraphicFramePr>
+        <p:xfrm>
+          <a:off x="5325110" y="3337560"/>
+          <a:ext cx="1852930" cy="2785110"/>
+        </p:xfrm>
+        <a:graphic>
+          <a:graphicData uri="http://schemas.openxmlformats.org/drawingml/2006/table">
+            <a:tbl>
+              <a:tblPr firstRow="1" bandRow="1">
+                <a:tableStyleId>{5C22544A-7EE6-4342-B048-85BDC9FD1C3A}</a:tableStyleId>
+              </a:tblPr>
+              <a:tblGrid>
+                <a:gridCol w="1852930"/>
+              </a:tblGrid>
+              <a:tr h="285750">
+                <a:tc>
+                  <a:txBody>
+                    <a:bodyPr/>
+                    <a:p>
+                      <a:pPr algn="ctr">
+                        <a:buNone/>
+                      </a:pPr>
+                      <a:r>
+                        <a:rPr lang="x-none" sz="1400">
+                          <a:solidFill>
+                            <a:schemeClr val="tx1"/>
+                          </a:solidFill>
+                          <a:latin typeface="Liberation Sans Narrow" charset="0"/>
+                        </a:rPr>
+                        <a:t>struct inode vfs_inode</a:t>
+                      </a:r>
+                      <a:endParaRPr lang="x-none" sz="1400">
+                        <a:solidFill>
+                          <a:schemeClr val="tx1"/>
+                        </a:solidFill>
+                        <a:latin typeface="Liberation Sans Narrow" charset="0"/>
+                      </a:endParaRPr>
+                    </a:p>
+                  </a:txBody>
+                  <a:tcPr marL="36195" marR="36195" marT="36195" marB="36195">
+                    <a:lnL>
+                      <a:noFill/>
+                    </a:lnL>
+                    <a:lnR>
+                      <a:noFill/>
+                    </a:lnR>
+                    <a:lnT>
+                      <a:noFill/>
+                    </a:lnT>
+                    <a:lnB w="12700">
+                      <a:solidFill>
+                        <a:schemeClr val="tx1"/>
+                      </a:solidFill>
+                      <a:prstDash val="solid"/>
+                    </a:lnB>
+                    <a:lnTlToBr>
+                      <a:noFill/>
+                    </a:lnTlToBr>
+                    <a:lnBlToTr>
+                      <a:noFill/>
+                    </a:lnBlToTr>
+                    <a:noFill/>
+                  </a:tcPr>
+                </a:tc>
+              </a:tr>
+              <a:tr h="285750">
+                <a:tc>
+                  <a:txBody>
+                    <a:bodyPr/>
+                    <a:p>
+                      <a:pPr algn="ctr">
+                        <a:buNone/>
+                      </a:pPr>
+                      <a:r>
+                        <a:rPr lang="x-none" sz="1400">
+                          <a:solidFill>
+                            <a:schemeClr val="tx1"/>
+                          </a:solidFill>
+                          <a:latin typeface="Liberation Sans Narrow" charset="0"/>
+                        </a:rPr>
+                        <a:t>umode_t i_mode</a:t>
+                      </a:r>
+                      <a:endParaRPr lang="x-none" sz="1400">
+                        <a:solidFill>
+                          <a:schemeClr val="tx1"/>
+                        </a:solidFill>
+                        <a:latin typeface="Liberation Sans Narrow" charset="0"/>
+                      </a:endParaRPr>
+                    </a:p>
+                  </a:txBody>
+                  <a:tcPr marL="36195" marR="36195" marT="36195" marB="36195">
+                    <a:lnL w="12700">
+                      <a:solidFill>
+                        <a:schemeClr val="tx1"/>
+                      </a:solidFill>
+                      <a:prstDash val="solid"/>
+                    </a:lnL>
+                    <a:lnR w="12700">
+                      <a:solidFill>
+                        <a:schemeClr val="tx1"/>
+                      </a:solidFill>
+                      <a:prstDash val="solid"/>
+                    </a:lnR>
+                    <a:lnT w="12700">
+                      <a:solidFill>
+                        <a:schemeClr val="tx1"/>
+                      </a:solidFill>
+                      <a:prstDash val="solid"/>
+                    </a:lnT>
+                    <a:lnB w="12700">
+                      <a:solidFill>
+                        <a:schemeClr val="tx1"/>
+                      </a:solidFill>
+                      <a:prstDash val="solid"/>
+                    </a:lnB>
+                    <a:noFill/>
+                  </a:tcPr>
+                </a:tc>
+              </a:tr>
+              <a:tr h="285750">
+                <a:tc>
+                  <a:txBody>
+                    <a:bodyPr/>
+                    <a:p>
+                      <a:pPr algn="ctr">
+                        <a:buNone/>
+                      </a:pPr>
+                      <a:r>
+                        <a:rPr lang="x-none" sz="1400">
+                          <a:solidFill>
+                            <a:schemeClr val="tx1"/>
+                          </a:solidFill>
+                          <a:latin typeface="Liberation Sans Narrow" charset="0"/>
+                        </a:rPr>
+                        <a:t>...</a:t>
+                      </a:r>
+                      <a:endParaRPr lang="x-none" sz="1400">
+                        <a:solidFill>
+                          <a:schemeClr val="tx1"/>
+                        </a:solidFill>
+                        <a:latin typeface="Liberation Sans Narrow" charset="0"/>
+                      </a:endParaRPr>
+                    </a:p>
+                  </a:txBody>
+                  <a:tcPr marL="36195" marR="36195" marT="36195" marB="36195">
+                    <a:lnL w="12700">
+                      <a:solidFill>
+                        <a:schemeClr val="tx1"/>
+                      </a:solidFill>
+                      <a:prstDash val="solid"/>
+                    </a:lnL>
+                    <a:lnR w="12700">
+                      <a:solidFill>
+                        <a:schemeClr val="tx1"/>
+                      </a:solidFill>
+                      <a:prstDash val="solid"/>
+                    </a:lnR>
+                    <a:lnT w="12700">
+                      <a:solidFill>
+                        <a:schemeClr val="tx1"/>
+                      </a:solidFill>
+                      <a:prstDash val="solid"/>
+                    </a:lnT>
+                    <a:lnB w="12700">
+                      <a:solidFill>
+                        <a:schemeClr val="tx1"/>
+                      </a:solidFill>
+                      <a:prstDash val="solid"/>
+                    </a:lnB>
+                    <a:solidFill>
+                      <a:schemeClr val="bg2">
+                        <a:lumMod val="75000"/>
+                      </a:schemeClr>
+                    </a:solidFill>
+                  </a:tcPr>
+                </a:tc>
+              </a:tr>
+              <a:tr h="285750">
+                <a:tc>
+                  <a:txBody>
+                    <a:bodyPr/>
+                    <a:p>
+                      <a:pPr algn="ctr">
+                        <a:buNone/>
+                      </a:pPr>
+                      <a:r>
+                        <a:rPr lang="x-none" sz="1400">
+                          <a:solidFill>
+                            <a:schemeClr val="tx1"/>
+                          </a:solidFill>
+                          <a:latin typeface="Liberation Sans Narrow" charset="0"/>
+                        </a:rPr>
+                        <a:t>struct super_block* i_sb</a:t>
+                      </a:r>
+                      <a:endParaRPr lang="x-none" sz="1400">
+                        <a:solidFill>
+                          <a:schemeClr val="tx1"/>
+                        </a:solidFill>
+                        <a:latin typeface="Liberation Sans Narrow" charset="0"/>
+                      </a:endParaRPr>
+                    </a:p>
+                  </a:txBody>
+                  <a:tcPr marL="36195" marR="36195" marT="36195" marB="36195">
+                    <a:lnL w="12700">
+                      <a:solidFill>
+                        <a:schemeClr val="tx1"/>
+                      </a:solidFill>
+                      <a:prstDash val="solid"/>
+                    </a:lnL>
+                    <a:lnR w="12700">
+                      <a:solidFill>
+                        <a:schemeClr val="tx1"/>
+                      </a:solidFill>
+                      <a:prstDash val="solid"/>
+                    </a:lnR>
+                    <a:lnT w="12700">
+                      <a:solidFill>
+                        <a:schemeClr val="tx1"/>
+                      </a:solidFill>
+                      <a:prstDash val="solid"/>
+                    </a:lnT>
+                    <a:lnB w="12700">
+                      <a:solidFill>
+                        <a:schemeClr val="tx1"/>
+                      </a:solidFill>
+                      <a:prstDash val="solid"/>
+                    </a:lnB>
+                    <a:noFill/>
+                  </a:tcPr>
+                </a:tc>
+              </a:tr>
+              <a:tr h="285750">
+                <a:tc>
+                  <a:txBody>
+                    <a:bodyPr/>
+                    <a:p>
+                      <a:pPr algn="ctr">
+                        <a:buNone/>
+                      </a:pPr>
+                      <a:r>
+                        <a:rPr lang="x-none" sz="1400">
+                          <a:solidFill>
+                            <a:schemeClr val="tx1"/>
+                          </a:solidFill>
+                          <a:latin typeface="Liberation Sans Narrow" charset="0"/>
+                        </a:rPr>
+                        <a:t>...</a:t>
+                      </a:r>
+                      <a:endParaRPr lang="x-none" sz="1400">
+                        <a:solidFill>
+                          <a:schemeClr val="tx1"/>
+                        </a:solidFill>
+                        <a:latin typeface="Liberation Sans Narrow" charset="0"/>
+                      </a:endParaRPr>
+                    </a:p>
+                  </a:txBody>
+                  <a:tcPr marL="36195" marR="36195" marT="36195" marB="36195">
+                    <a:lnL w="12700">
+                      <a:solidFill>
+                        <a:schemeClr val="tx1"/>
+                      </a:solidFill>
+                      <a:prstDash val="solid"/>
+                    </a:lnL>
+                    <a:lnR w="12700">
+                      <a:solidFill>
+                        <a:schemeClr val="tx1"/>
+                      </a:solidFill>
+                      <a:prstDash val="solid"/>
+                    </a:lnR>
+                    <a:lnT w="12700">
+                      <a:solidFill>
+                        <a:schemeClr val="tx1"/>
+                      </a:solidFill>
+                      <a:prstDash val="solid"/>
+                    </a:lnT>
+                    <a:lnB w="12700">
+                      <a:solidFill>
+                        <a:schemeClr val="tx1"/>
+                      </a:solidFill>
+                      <a:prstDash val="solid"/>
+                    </a:lnB>
+                    <a:solidFill>
+                      <a:schemeClr val="bg2">
+                        <a:lumMod val="75000"/>
+                      </a:schemeClr>
+                    </a:solidFill>
+                  </a:tcPr>
+                </a:tc>
+              </a:tr>
+              <a:tr h="285750">
+                <a:tc>
+                  <a:txBody>
+                    <a:bodyPr/>
+                    <a:p>
+                      <a:pPr algn="ctr">
+                        <a:buNone/>
+                      </a:pPr>
+                      <a:r>
+                        <a:rPr lang="x-none" sz="1400">
+                          <a:solidFill>
+                            <a:schemeClr val="tx1"/>
+                          </a:solidFill>
+                          <a:latin typeface="Liberation Sans Narrow" charset="0"/>
+                        </a:rPr>
+                        <a:t>unsinged long i_ino</a:t>
+                      </a:r>
+                      <a:endParaRPr lang="x-none" sz="1400">
+                        <a:solidFill>
+                          <a:schemeClr val="tx1"/>
+                        </a:solidFill>
+                        <a:latin typeface="Liberation Sans Narrow" charset="0"/>
+                      </a:endParaRPr>
+                    </a:p>
+                  </a:txBody>
+                  <a:tcPr marL="36195" marR="36195" marT="36195" marB="36195">
+                    <a:lnL w="12700">
+                      <a:solidFill>
+                        <a:schemeClr val="tx1"/>
+                      </a:solidFill>
+                      <a:prstDash val="solid"/>
+                    </a:lnL>
+                    <a:lnR w="12700">
+                      <a:solidFill>
+                        <a:schemeClr val="tx1"/>
+                      </a:solidFill>
+                      <a:prstDash val="solid"/>
+                    </a:lnR>
+                    <a:lnT w="12700">
+                      <a:solidFill>
+                        <a:schemeClr val="tx1"/>
+                      </a:solidFill>
+                      <a:prstDash val="solid"/>
+                    </a:lnT>
+                    <a:lnB w="12700">
+                      <a:solidFill>
+                        <a:schemeClr val="tx1"/>
+                      </a:solidFill>
+                      <a:prstDash val="solid"/>
+                    </a:lnB>
+                    <a:noFill/>
+                  </a:tcPr>
+                </a:tc>
+              </a:tr>
+              <a:tr h="285750">
+                <a:tc>
+                  <a:txBody>
+                    <a:bodyPr/>
+                    <a:p>
+                      <a:pPr algn="ctr">
+                        <a:buNone/>
+                      </a:pPr>
+                      <a:r>
+                        <a:rPr lang="x-none" sz="1400">
+                          <a:solidFill>
+                            <a:schemeClr val="tx1"/>
+                          </a:solidFill>
+                          <a:latin typeface="Liberation Sans Narrow" charset="0"/>
+                        </a:rPr>
+                        <a:t>...</a:t>
+                      </a:r>
+                      <a:endParaRPr lang="x-none" sz="1400">
+                        <a:solidFill>
+                          <a:schemeClr val="tx1"/>
+                        </a:solidFill>
+                        <a:latin typeface="Liberation Sans Narrow" charset="0"/>
+                      </a:endParaRPr>
+                    </a:p>
+                  </a:txBody>
+                  <a:tcPr marL="36195" marR="36195" marT="36195" marB="36195">
+                    <a:lnL w="12700">
+                      <a:solidFill>
+                        <a:schemeClr val="tx1"/>
+                      </a:solidFill>
+                      <a:prstDash val="solid"/>
+                    </a:lnL>
+                    <a:lnR w="12700">
+                      <a:solidFill>
+                        <a:schemeClr val="tx1"/>
+                      </a:solidFill>
+                      <a:prstDash val="solid"/>
+                    </a:lnR>
+                    <a:lnT w="12700">
+                      <a:solidFill>
+                        <a:schemeClr val="tx1"/>
+                      </a:solidFill>
+                      <a:prstDash val="solid"/>
+                    </a:lnT>
+                    <a:lnB w="12700">
+                      <a:solidFill>
+                        <a:schemeClr val="tx1"/>
+                      </a:solidFill>
+                      <a:prstDash val="solid"/>
+                    </a:lnB>
+                    <a:solidFill>
+                      <a:schemeClr val="bg2">
+                        <a:lumMod val="75000"/>
+                      </a:schemeClr>
+                    </a:solidFill>
+                  </a:tcPr>
+                </a:tc>
+              </a:tr>
+              <a:tr h="499110">
+                <a:tc>
+                  <a:txBody>
+                    <a:bodyPr/>
+                    <a:p>
+                      <a:pPr algn="ctr">
+                        <a:buNone/>
+                      </a:pPr>
+                      <a:r>
+                        <a:rPr lang="x-none" sz="1400">
+                          <a:solidFill>
+                            <a:schemeClr val="tx1"/>
+                          </a:solidFill>
+                          <a:latin typeface="Liberation Sans Narrow" charset="0"/>
+                        </a:rPr>
+                        <a:t>const struct file_operations *i_fop</a:t>
+                      </a:r>
+                      <a:endParaRPr lang="x-none" sz="1400">
+                        <a:solidFill>
+                          <a:schemeClr val="tx1"/>
+                        </a:solidFill>
+                        <a:latin typeface="Liberation Sans Narrow" charset="0"/>
+                      </a:endParaRPr>
+                    </a:p>
+                  </a:txBody>
+                  <a:tcPr marL="36195" marR="36195" marT="36195" marB="36195">
+                    <a:lnL w="12700">
+                      <a:solidFill>
+                        <a:schemeClr val="tx1"/>
+                      </a:solidFill>
+                      <a:prstDash val="solid"/>
+                    </a:lnL>
+                    <a:lnR w="12700">
+                      <a:solidFill>
+                        <a:schemeClr val="tx1"/>
+                      </a:solidFill>
+                      <a:prstDash val="solid"/>
+                    </a:lnR>
+                    <a:lnT w="12700">
+                      <a:solidFill>
+                        <a:schemeClr val="tx1"/>
+                      </a:solidFill>
+                      <a:prstDash val="solid"/>
+                    </a:lnT>
+                    <a:lnB w="12700">
+                      <a:solidFill>
+                        <a:schemeClr val="tx1"/>
+                      </a:solidFill>
+                      <a:prstDash val="solid"/>
+                    </a:lnB>
+                    <a:noFill/>
+                  </a:tcPr>
+                </a:tc>
+              </a:tr>
+              <a:tr h="285750">
+                <a:tc>
+                  <a:txBody>
+                    <a:bodyPr/>
+                    <a:p>
+                      <a:pPr algn="ctr">
+                        <a:buNone/>
+                      </a:pPr>
+                      <a:r>
+                        <a:rPr lang="x-none" sz="1400">
+                          <a:solidFill>
+                            <a:schemeClr val="tx1"/>
+                          </a:solidFill>
+                          <a:latin typeface="Liberation Sans Narrow" charset="0"/>
+                        </a:rPr>
+                        <a:t>...</a:t>
+                      </a:r>
+                      <a:endParaRPr lang="x-none" sz="1400">
+                        <a:solidFill>
+                          <a:schemeClr val="tx1"/>
+                        </a:solidFill>
+                        <a:latin typeface="Liberation Sans Narrow" charset="0"/>
+                      </a:endParaRPr>
+                    </a:p>
+                  </a:txBody>
+                  <a:tcPr marL="36195" marR="36195" marT="36195" marB="36195">
+                    <a:lnL w="12700">
+                      <a:solidFill>
+                        <a:schemeClr val="tx1"/>
+                      </a:solidFill>
+                      <a:prstDash val="solid"/>
+                    </a:lnL>
+                    <a:lnR w="12700">
+                      <a:solidFill>
+                        <a:schemeClr val="tx1"/>
+                      </a:solidFill>
+                      <a:prstDash val="solid"/>
+                    </a:lnR>
+                    <a:lnT w="12700">
+                      <a:solidFill>
+                        <a:schemeClr val="tx1"/>
+                      </a:solidFill>
+                      <a:prstDash val="solid"/>
+                    </a:lnT>
+                    <a:lnB w="12700">
+                      <a:solidFill>
+                        <a:schemeClr val="tx1"/>
+                      </a:solidFill>
+                      <a:prstDash val="solid"/>
+                    </a:lnB>
+                    <a:solidFill>
+                      <a:schemeClr val="bg2">
+                        <a:lumMod val="75000"/>
+                      </a:schemeClr>
+                    </a:solidFill>
+                  </a:tcPr>
+                </a:tc>
+              </a:tr>
+            </a:tbl>
+          </a:graphicData>
+        </a:graphic>
+      </p:graphicFrame>
+      <p:graphicFrame>
+        <p:nvGraphicFramePr>
+          <p:cNvPr id="20" name="Table 19"/>
+          <p:cNvGraphicFramePr/>
+          <p:nvPr/>
+        </p:nvGraphicFramePr>
+        <p:xfrm>
+          <a:off x="5287010" y="538480"/>
+          <a:ext cx="1928495" cy="5605145"/>
+        </p:xfrm>
+        <a:graphic>
+          <a:graphicData uri="http://schemas.openxmlformats.org/drawingml/2006/table">
+            <a:tbl>
+              <a:tblPr firstRow="1" bandRow="1">
+                <a:tableStyleId>{5C22544A-7EE6-4342-B048-85BDC9FD1C3A}</a:tableStyleId>
+              </a:tblPr>
+              <a:tblGrid>
+                <a:gridCol w="1928495"/>
+              </a:tblGrid>
+              <a:tr h="213360">
+                <a:tc>
+                  <a:txBody>
+                    <a:bodyPr/>
+                    <a:p>
+                      <a:pPr algn="ctr">
+                        <a:buNone/>
+                      </a:pPr>
+                      <a:r>
+                        <a:rPr lang="x-none" sz="1400">
+                          <a:solidFill>
+                            <a:schemeClr val="tx1"/>
+                          </a:solidFill>
+                          <a:latin typeface="Liberation Sans Narrow" charset="0"/>
+                        </a:rPr>
+                        <a:t>struct socket_alloc {}</a:t>
+                      </a:r>
+                      <a:endParaRPr lang="x-none" sz="1400">
+                        <a:solidFill>
+                          <a:schemeClr val="tx1"/>
+                        </a:solidFill>
+                        <a:latin typeface="Liberation Sans Narrow" charset="0"/>
+                      </a:endParaRPr>
+                    </a:p>
+                  </a:txBody>
+                  <a:tcPr marL="36195" marR="36195" marT="0" marB="0">
+                    <a:lnL>
+                      <a:noFill/>
+                    </a:lnL>
+                    <a:lnR>
+                      <a:noFill/>
+                    </a:lnR>
+                    <a:lnT>
+                      <a:noFill/>
+                    </a:lnT>
+                    <a:lnB w="12700">
+                      <a:solidFill>
+                        <a:schemeClr val="tx1"/>
+                      </a:solidFill>
+                      <a:prstDash val="solid"/>
+                    </a:lnB>
+                    <a:lnTlToBr>
+                      <a:noFill/>
+                    </a:lnTlToBr>
+                    <a:lnBlToTr>
+                      <a:noFill/>
+                    </a:lnBlToTr>
+                    <a:noFill/>
+                  </a:tcPr>
+                </a:tc>
+              </a:tr>
+              <a:tr h="2560320">
+                <a:tc>
+                  <a:txBody>
+                    <a:bodyPr/>
+                    <a:p>
+                      <a:pPr algn="ctr">
+                        <a:buNone/>
+                      </a:pPr>
+                      <a:endParaRPr lang="x-none" sz="1400">
+                        <a:solidFill>
+                          <a:schemeClr val="tx1"/>
+                        </a:solidFill>
+                        <a:latin typeface="Liberation Sans Narrow" charset="0"/>
+                      </a:endParaRPr>
+                    </a:p>
+                  </a:txBody>
+                  <a:tcPr marL="36195" marR="36195" marT="0" marB="0">
+                    <a:lnL w="12700">
+                      <a:solidFill>
+                        <a:schemeClr val="tx1"/>
+                      </a:solidFill>
+                      <a:prstDash val="solid"/>
+                    </a:lnL>
+                    <a:lnR w="12700">
+                      <a:solidFill>
+                        <a:schemeClr val="tx1"/>
+                      </a:solidFill>
+                      <a:prstDash val="solid"/>
+                    </a:lnR>
+                    <a:lnT w="12700">
+                      <a:solidFill>
+                        <a:schemeClr val="tx1"/>
+                      </a:solidFill>
+                      <a:prstDash val="solid"/>
+                    </a:lnT>
+                    <a:lnB w="12700">
+                      <a:solidFill>
+                        <a:schemeClr val="tx1"/>
+                      </a:solidFill>
+                      <a:prstDash val="solid"/>
+                    </a:lnB>
+                    <a:noFill/>
+                  </a:tcPr>
+                </a:tc>
+              </a:tr>
+              <a:tr h="2831465">
+                <a:tc>
+                  <a:txBody>
+                    <a:bodyPr/>
+                    <a:p>
+                      <a:pPr algn="ctr">
+                        <a:buNone/>
+                      </a:pPr>
+                      <a:endParaRPr lang="x-none" sz="1400">
+                        <a:solidFill>
+                          <a:schemeClr val="tx1"/>
+                        </a:solidFill>
+                        <a:latin typeface="Liberation Sans Narrow" charset="0"/>
+                      </a:endParaRPr>
+                    </a:p>
+                  </a:txBody>
+                  <a:tcPr marL="36195" marR="36195" marT="0" marB="0">
+                    <a:lnL w="12700">
+                      <a:solidFill>
+                        <a:schemeClr val="tx1"/>
+                      </a:solidFill>
+                      <a:prstDash val="solid"/>
+                    </a:lnL>
+                    <a:lnR w="12700">
+                      <a:solidFill>
+                        <a:schemeClr val="tx1"/>
+                      </a:solidFill>
+                      <a:prstDash val="solid"/>
+                    </a:lnR>
+                    <a:lnT w="12700">
+                      <a:solidFill>
+                        <a:schemeClr val="tx1"/>
+                      </a:solidFill>
+                      <a:prstDash val="solid"/>
+                    </a:lnT>
+                    <a:lnB w="12700">
+                      <a:solidFill>
+                        <a:schemeClr val="tx1"/>
+                      </a:solidFill>
+                      <a:prstDash val="solid"/>
+                    </a:lnB>
+                    <a:noFill/>
+                  </a:tcPr>
+                </a:tc>
+              </a:tr>
+            </a:tbl>
+          </a:graphicData>
+        </a:graphic>
+      </p:graphicFrame>
+      <p:cxnSp>
+        <p:nvCxnSpPr>
+          <p:cNvPr id="21" name="Elbow Connector 20"/>
+          <p:cNvCxnSpPr/>
+          <p:nvPr/>
+        </p:nvCxnSpPr>
+        <p:spPr>
+          <a:xfrm flipV="1">
+            <a:off x="4332605" y="3646805"/>
+            <a:ext cx="1008000" cy="1116000"/>
+          </a:xfrm>
+          <a:prstGeom prst="bentConnector3">
+            <a:avLst>
+              <a:gd name="adj1" fmla="val 66586"/>
+            </a:avLst>
+          </a:prstGeom>
+          <a:ln>
+            <a:solidFill>
+              <a:schemeClr val="tx1"/>
+            </a:solidFill>
+            <a:tailEnd type="arrow"/>
+          </a:ln>
+        </p:spPr>
+        <p:style>
+          <a:lnRef idx="1">
+            <a:schemeClr val="accent1"/>
+          </a:lnRef>
+          <a:fillRef idx="0">
+            <a:schemeClr val="accent1"/>
+          </a:fillRef>
+          <a:effectRef idx="0">
+            <a:schemeClr val="accent1"/>
+          </a:effectRef>
+          <a:fontRef idx="minor">
+            <a:schemeClr val="tx1"/>
+          </a:fontRef>
+        </p:style>
+      </p:cxnSp>
+      <p:cxnSp>
+        <p:nvCxnSpPr>
+          <p:cNvPr id="22" name="Elbow Connector 21"/>
+          <p:cNvCxnSpPr/>
+          <p:nvPr/>
+        </p:nvCxnSpPr>
+        <p:spPr>
+          <a:xfrm flipV="1">
+            <a:off x="4365625" y="1038860"/>
+            <a:ext cx="1008000" cy="4356000"/>
+          </a:xfrm>
+          <a:prstGeom prst="bentConnector3">
+            <a:avLst>
+              <a:gd name="adj1" fmla="val 50522"/>
+            </a:avLst>
+          </a:prstGeom>
+          <a:ln>
+            <a:solidFill>
+              <a:schemeClr val="tx1"/>
+            </a:solidFill>
+            <a:tailEnd type="arrow"/>
+          </a:ln>
+        </p:spPr>
+        <p:style>
+          <a:lnRef idx="1">
+            <a:schemeClr val="accent1"/>
+          </a:lnRef>
+          <a:fillRef idx="0">
+            <a:schemeClr val="accent1"/>
+          </a:fillRef>
+          <a:effectRef idx="0">
+            <a:schemeClr val="accent1"/>
+          </a:effectRef>
+          <a:fontRef idx="minor">
+            <a:schemeClr val="tx1"/>
+          </a:fontRef>
+        </p:style>
+      </p:cxnSp>
+      <p:graphicFrame>
+        <p:nvGraphicFramePr>
+          <p:cNvPr id="24" name="Table 23"/>
+          <p:cNvGraphicFramePr/>
+          <p:nvPr/>
+        </p:nvGraphicFramePr>
+        <p:xfrm>
+          <a:off x="8135620" y="4899660"/>
+          <a:ext cx="1741805" cy="1092200"/>
+        </p:xfrm>
+        <a:graphic>
+          <a:graphicData uri="http://schemas.openxmlformats.org/drawingml/2006/table">
+            <a:tbl>
+              <a:tblPr firstRow="1" bandRow="1">
+                <a:tableStyleId>{5C22544A-7EE6-4342-B048-85BDC9FD1C3A}</a:tableStyleId>
+              </a:tblPr>
+              <a:tblGrid>
+                <a:gridCol w="1741805"/>
+              </a:tblGrid>
+              <a:tr h="499110">
+                <a:tc>
+                  <a:txBody>
+                    <a:bodyPr/>
+                    <a:p>
+                      <a:pPr algn="ctr">
+                        <a:buNone/>
+                      </a:pPr>
+                      <a:r>
+                        <a:rPr lang="x-none" sz="1400">
+                          <a:solidFill>
+                            <a:schemeClr val="tx1"/>
+                          </a:solidFill>
+                          <a:latin typeface="Liberation Sans Narrow" charset="0"/>
+                        </a:rPr>
+                        <a:t>struct </a:t>
+                      </a:r>
+                      <a:endParaRPr lang="x-none" sz="1400">
+                        <a:solidFill>
+                          <a:schemeClr val="tx1"/>
+                        </a:solidFill>
+                        <a:latin typeface="Liberation Sans Narrow" charset="0"/>
+                      </a:endParaRPr>
+                    </a:p>
+                    <a:p>
+                      <a:pPr algn="ctr">
+                        <a:buNone/>
+                      </a:pPr>
+                      <a:r>
+                        <a:rPr lang="x-none" sz="1400">
+                          <a:solidFill>
+                            <a:schemeClr val="tx1"/>
+                          </a:solidFill>
+                          <a:latin typeface="Liberation Sans Narrow" charset="0"/>
+                        </a:rPr>
+                        <a:t>__wait_queu_head {}</a:t>
+                      </a:r>
+                      <a:endParaRPr lang="x-none" sz="1400">
+                        <a:solidFill>
+                          <a:schemeClr val="tx1"/>
+                        </a:solidFill>
+                        <a:latin typeface="Liberation Sans Narrow" charset="0"/>
+                      </a:endParaRPr>
+                    </a:p>
+                  </a:txBody>
+                  <a:tcPr marL="36195" marR="36195" marT="36195" marB="36195">
+                    <a:lnL>
+                      <a:noFill/>
+                    </a:lnL>
+                    <a:lnR>
+                      <a:noFill/>
+                    </a:lnR>
+                    <a:lnT>
+                      <a:noFill/>
+                    </a:lnT>
+                    <a:lnB w="12700">
+                      <a:solidFill>
+                        <a:schemeClr val="tx1"/>
+                      </a:solidFill>
+                      <a:prstDash val="solid"/>
+                    </a:lnB>
+                    <a:lnTlToBr>
+                      <a:noFill/>
+                    </a:lnTlToBr>
+                    <a:lnBlToTr>
+                      <a:noFill/>
+                    </a:lnBlToTr>
+                    <a:noFill/>
+                  </a:tcPr>
+                </a:tc>
+              </a:tr>
+              <a:tr h="296545">
+                <a:tc>
+                  <a:txBody>
+                    <a:bodyPr/>
+                    <a:p>
+                      <a:pPr algn="ctr">
+                        <a:buNone/>
+                      </a:pPr>
+                      <a:r>
+                        <a:rPr lang="x-none" sz="1400">
+                          <a:solidFill>
+                            <a:schemeClr val="tx1"/>
+                          </a:solidFill>
+                          <a:latin typeface="Liberation Sans Narrow" charset="0"/>
+                        </a:rPr>
+                        <a:t>spitlock_t lock</a:t>
+                      </a:r>
+                      <a:endParaRPr lang="x-none" sz="1400">
+                        <a:solidFill>
+                          <a:schemeClr val="tx1"/>
+                        </a:solidFill>
+                        <a:latin typeface="Liberation Sans Narrow" charset="0"/>
+                      </a:endParaRPr>
+                    </a:p>
+                  </a:txBody>
+                  <a:tcPr marL="36195" marR="36195" marT="36195" marB="36195">
+                    <a:lnL w="12700">
+                      <a:solidFill>
+                        <a:schemeClr val="tx1"/>
+                      </a:solidFill>
+                      <a:prstDash val="solid"/>
+                    </a:lnL>
+                    <a:lnR w="12700">
+                      <a:solidFill>
+                        <a:schemeClr val="tx1"/>
+                      </a:solidFill>
+                      <a:prstDash val="solid"/>
+                    </a:lnR>
+                    <a:lnT w="12700">
+                      <a:solidFill>
+                        <a:schemeClr val="tx1"/>
+                      </a:solidFill>
+                      <a:prstDash val="solid"/>
+                    </a:lnT>
+                    <a:lnB w="12700">
+                      <a:solidFill>
+                        <a:schemeClr val="tx1"/>
+                      </a:solidFill>
+                      <a:prstDash val="solid"/>
+                    </a:lnB>
+                    <a:noFill/>
+                  </a:tcPr>
+                </a:tc>
+              </a:tr>
+              <a:tr h="296545">
+                <a:tc>
+                  <a:txBody>
+                    <a:bodyPr/>
+                    <a:p>
+                      <a:pPr algn="ctr">
+                        <a:buNone/>
+                      </a:pPr>
+                      <a:r>
+                        <a:rPr lang="x-none" sz="1400">
+                          <a:solidFill>
+                            <a:schemeClr val="tx1"/>
+                          </a:solidFill>
+                          <a:latin typeface="Liberation Sans Narrow" charset="0"/>
+                        </a:rPr>
+                        <a:t>struct list_head task_list</a:t>
+                      </a:r>
+                      <a:endParaRPr lang="x-none" sz="1400">
+                        <a:solidFill>
+                          <a:schemeClr val="tx1"/>
+                        </a:solidFill>
+                        <a:latin typeface="Liberation Sans Narrow" charset="0"/>
+                      </a:endParaRPr>
+                    </a:p>
+                  </a:txBody>
+                  <a:tcPr marL="36195" marR="36195" marT="36195" marB="36195">
+                    <a:lnL w="12700">
+                      <a:solidFill>
+                        <a:schemeClr val="tx1"/>
+                      </a:solidFill>
+                      <a:prstDash val="solid"/>
+                    </a:lnL>
+                    <a:lnR w="12700">
+                      <a:solidFill>
+                        <a:schemeClr val="tx1"/>
+                      </a:solidFill>
+                      <a:prstDash val="solid"/>
+                    </a:lnR>
+                    <a:lnT w="12700">
+                      <a:solidFill>
+                        <a:schemeClr val="tx1"/>
+                      </a:solidFill>
+                      <a:prstDash val="solid"/>
+                    </a:lnT>
+                    <a:lnB w="12700">
+                      <a:solidFill>
+                        <a:schemeClr val="tx1"/>
+                      </a:solidFill>
+                      <a:prstDash val="solid"/>
+                    </a:lnB>
+                    <a:noFill/>
+                  </a:tcPr>
+                </a:tc>
+              </a:tr>
+            </a:tbl>
+          </a:graphicData>
+        </a:graphic>
+      </p:graphicFrame>
+      <p:graphicFrame>
+        <p:nvGraphicFramePr>
+          <p:cNvPr id="26" name="Table 25"/>
+          <p:cNvGraphicFramePr/>
+          <p:nvPr/>
+        </p:nvGraphicFramePr>
+        <p:xfrm>
+          <a:off x="7907655" y="640715"/>
+          <a:ext cx="1979295" cy="3143250"/>
+        </p:xfrm>
+        <a:graphic>
+          <a:graphicData uri="http://schemas.openxmlformats.org/drawingml/2006/table">
+            <a:tbl>
+              <a:tblPr firstRow="1" bandRow="1">
+                <a:tableStyleId>{5C22544A-7EE6-4342-B048-85BDC9FD1C3A}</a:tableStyleId>
+              </a:tblPr>
+              <a:tblGrid>
+                <a:gridCol w="1979295"/>
+              </a:tblGrid>
+              <a:tr h="285750">
+                <a:tc>
+                  <a:txBody>
+                    <a:bodyPr/>
+                    <a:p>
+                      <a:pPr algn="ctr">
+                        <a:buNone/>
+                      </a:pPr>
+                      <a:r>
+                        <a:rPr lang="x-none" sz="1400">
+                          <a:solidFill>
+                            <a:schemeClr val="tx1"/>
+                          </a:solidFill>
+                          <a:latin typeface="Liberation Sans Narrow" charset="0"/>
+                        </a:rPr>
+                        <a:t>struct tcp_sock {}</a:t>
+                      </a:r>
+                      <a:endParaRPr lang="x-none" sz="1400">
+                        <a:solidFill>
+                          <a:schemeClr val="tx1"/>
+                        </a:solidFill>
+                        <a:latin typeface="Liberation Sans Narrow" charset="0"/>
+                      </a:endParaRPr>
+                    </a:p>
+                  </a:txBody>
+                  <a:tcPr marL="36195" marR="36195" marT="36195" marB="36195">
+                    <a:lnL>
+                      <a:noFill/>
+                    </a:lnL>
+                    <a:lnR>
+                      <a:noFill/>
+                    </a:lnR>
+                    <a:lnT>
+                      <a:noFill/>
+                    </a:lnT>
+                    <a:lnB w="12700">
+                      <a:solidFill>
+                        <a:schemeClr val="tx1"/>
+                      </a:solidFill>
+                      <a:prstDash val="solid"/>
+                    </a:lnB>
+                    <a:lnTlToBr>
+                      <a:noFill/>
+                    </a:lnTlToBr>
+                    <a:lnBlToTr>
+                      <a:noFill/>
+                    </a:lnBlToTr>
+                    <a:noFill/>
+                  </a:tcPr>
+                </a:tc>
+              </a:tr>
+              <a:tr h="285750">
+                <a:tc>
+                  <a:txBody>
+                    <a:bodyPr/>
+                    <a:p>
+                      <a:pPr algn="ctr">
+                        <a:buNone/>
+                      </a:pPr>
+                      <a:r>
+                        <a:rPr lang="x-none" sz="1400">
+                          <a:solidFill>
+                            <a:schemeClr val="tx1"/>
+                          </a:solidFill>
+                          <a:latin typeface="Liberation Sans Narrow" charset="0"/>
+                        </a:rPr>
+                        <a:t>...</a:t>
+                      </a:r>
+                      <a:endParaRPr lang="x-none" sz="1400">
+                        <a:solidFill>
+                          <a:schemeClr val="tx1"/>
+                        </a:solidFill>
+                        <a:latin typeface="Liberation Sans Narrow" charset="0"/>
+                      </a:endParaRPr>
+                    </a:p>
+                  </a:txBody>
+                  <a:tcPr marL="36195" marR="36195" marT="36195" marB="36195">
+                    <a:lnL w="12700">
+                      <a:solidFill>
+                        <a:schemeClr val="tx1"/>
+                      </a:solidFill>
+                      <a:prstDash val="solid"/>
+                    </a:lnL>
+                    <a:lnR w="12700">
+                      <a:solidFill>
+                        <a:schemeClr val="tx1"/>
+                      </a:solidFill>
+                      <a:prstDash val="solid"/>
+                    </a:lnR>
+                    <a:lnT w="12700">
+                      <a:solidFill>
+                        <a:schemeClr val="tx1"/>
+                      </a:solidFill>
+                      <a:prstDash val="solid"/>
+                    </a:lnT>
+                    <a:lnB w="12700">
+                      <a:solidFill>
+                        <a:schemeClr val="tx1"/>
+                      </a:solidFill>
+                      <a:prstDash val="solid"/>
+                    </a:lnB>
+                    <a:solidFill>
+                      <a:schemeClr val="bg2">
+                        <a:lumMod val="75000"/>
+                      </a:schemeClr>
+                    </a:solidFill>
+                  </a:tcPr>
+                </a:tc>
+              </a:tr>
+              <a:tr h="285750">
+                <a:tc>
+                  <a:txBody>
+                    <a:bodyPr/>
+                    <a:p>
+                      <a:pPr algn="ctr">
+                        <a:buNone/>
+                      </a:pPr>
+                      <a:r>
+                        <a:rPr lang="x-none" sz="1400">
+                          <a:solidFill>
+                            <a:schemeClr val="tx1"/>
+                          </a:solidFill>
+                          <a:latin typeface="Liberation Sans Narrow" charset="0"/>
+                        </a:rPr>
+                        <a:t>.sk_family: AF_INET</a:t>
+                      </a:r>
+                      <a:endParaRPr lang="x-none" sz="1400">
+                        <a:solidFill>
+                          <a:schemeClr val="tx1"/>
+                        </a:solidFill>
+                        <a:latin typeface="Liberation Sans Narrow" charset="0"/>
+                      </a:endParaRPr>
+                    </a:p>
+                  </a:txBody>
+                  <a:tcPr marL="36195" marR="36195" marT="36195" marB="36195">
+                    <a:lnL w="12700">
+                      <a:solidFill>
+                        <a:schemeClr val="tx1"/>
+                      </a:solidFill>
+                      <a:prstDash val="solid"/>
+                    </a:lnL>
+                    <a:lnR w="12700">
+                      <a:solidFill>
+                        <a:schemeClr val="tx1"/>
+                      </a:solidFill>
+                      <a:prstDash val="solid"/>
+                    </a:lnR>
+                    <a:lnT w="12700">
+                      <a:solidFill>
+                        <a:schemeClr val="tx1"/>
+                      </a:solidFill>
+                      <a:prstDash val="solid"/>
+                    </a:lnT>
+                    <a:lnB w="12700">
+                      <a:solidFill>
+                        <a:schemeClr val="tx1"/>
+                      </a:solidFill>
+                      <a:prstDash val="solid"/>
+                    </a:lnB>
+                    <a:noFill/>
+                  </a:tcPr>
+                </a:tc>
+              </a:tr>
+              <a:tr h="285750">
+                <a:tc>
+                  <a:txBody>
+                    <a:bodyPr/>
+                    <a:p>
+                      <a:pPr algn="ctr">
+                        <a:buNone/>
+                      </a:pPr>
+                      <a:r>
+                        <a:rPr lang="x-none" sz="1400">
+                          <a:solidFill>
+                            <a:schemeClr val="tx1"/>
+                          </a:solidFill>
+                          <a:latin typeface="Liberation Sans Narrow" charset="0"/>
+                        </a:rPr>
+                        <a:t>.sk_state: TCP_CLOSE</a:t>
+                      </a:r>
+                      <a:endParaRPr lang="x-none" sz="1400">
+                        <a:solidFill>
+                          <a:schemeClr val="tx1"/>
+                        </a:solidFill>
+                        <a:latin typeface="Liberation Sans Narrow" charset="0"/>
+                      </a:endParaRPr>
+                    </a:p>
+                  </a:txBody>
+                  <a:tcPr marL="36195" marR="36195" marT="36195" marB="36195">
+                    <a:lnL w="12700">
+                      <a:solidFill>
+                        <a:schemeClr val="tx1"/>
+                      </a:solidFill>
+                      <a:prstDash val="solid"/>
+                    </a:lnL>
+                    <a:lnR w="12700">
+                      <a:solidFill>
+                        <a:schemeClr val="tx1"/>
+                      </a:solidFill>
+                      <a:prstDash val="solid"/>
+                    </a:lnR>
+                    <a:lnT w="12700">
+                      <a:solidFill>
+                        <a:schemeClr val="tx1"/>
+                      </a:solidFill>
+                      <a:prstDash val="solid"/>
+                    </a:lnT>
+                    <a:lnB w="12700">
+                      <a:solidFill>
+                        <a:schemeClr val="tx1"/>
+                      </a:solidFill>
+                      <a:prstDash val="solid"/>
+                    </a:lnB>
+                    <a:noFill/>
+                  </a:tcPr>
+                </a:tc>
+              </a:tr>
+              <a:tr h="285750">
+                <a:tc>
+                  <a:txBody>
+                    <a:bodyPr/>
+                    <a:p>
+                      <a:pPr algn="ctr">
+                        <a:buNone/>
+                      </a:pPr>
+                      <a:r>
+                        <a:rPr lang="x-none" sz="1400">
+                          <a:solidFill>
+                            <a:schemeClr val="tx1"/>
+                          </a:solidFill>
+                          <a:latin typeface="Liberation Sans Narrow" charset="0"/>
+                        </a:rPr>
+                        <a:t>.sk_type: SOCK_STREAM</a:t>
+                      </a:r>
+                      <a:endParaRPr lang="x-none" sz="1400">
+                        <a:solidFill>
+                          <a:schemeClr val="tx1"/>
+                        </a:solidFill>
+                        <a:latin typeface="Liberation Sans Narrow" charset="0"/>
+                      </a:endParaRPr>
+                    </a:p>
+                  </a:txBody>
+                  <a:tcPr marL="36195" marR="36195" marT="36195" marB="36195">
+                    <a:lnL w="12700">
+                      <a:solidFill>
+                        <a:schemeClr val="tx1"/>
+                      </a:solidFill>
+                      <a:prstDash val="solid"/>
+                    </a:lnL>
+                    <a:lnR w="12700">
+                      <a:solidFill>
+                        <a:schemeClr val="tx1"/>
+                      </a:solidFill>
+                      <a:prstDash val="solid"/>
+                    </a:lnR>
+                    <a:lnT w="12700">
+                      <a:solidFill>
+                        <a:schemeClr val="tx1"/>
+                      </a:solidFill>
+                      <a:prstDash val="solid"/>
+                    </a:lnT>
+                    <a:lnB w="12700">
+                      <a:solidFill>
+                        <a:schemeClr val="tx1"/>
+                      </a:solidFill>
+                      <a:prstDash val="solid"/>
+                    </a:lnB>
+                    <a:noFill/>
+                  </a:tcPr>
+                </a:tc>
+              </a:tr>
+              <a:tr h="285750">
+                <a:tc>
+                  <a:txBody>
+                    <a:bodyPr/>
+                    <a:p>
+                      <a:pPr algn="ctr">
+                        <a:buNone/>
+                      </a:pPr>
+                      <a:r>
+                        <a:rPr lang="x-none" sz="1400">
+                          <a:solidFill>
+                            <a:schemeClr val="tx1"/>
+                          </a:solidFill>
+                          <a:latin typeface="Liberation Sans Narrow" charset="0"/>
+                        </a:rPr>
+                        <a:t>.sk_protocol: IPPROTO_TCP</a:t>
+                      </a:r>
+                      <a:endParaRPr lang="x-none" sz="1400">
+                        <a:solidFill>
+                          <a:schemeClr val="tx1"/>
+                        </a:solidFill>
+                        <a:latin typeface="Liberation Sans Narrow" charset="0"/>
+                      </a:endParaRPr>
+                    </a:p>
+                  </a:txBody>
+                  <a:tcPr marL="36195" marR="36195" marT="36195" marB="36195">
+                    <a:lnL w="12700">
+                      <a:solidFill>
+                        <a:schemeClr val="tx1"/>
+                      </a:solidFill>
+                      <a:prstDash val="solid"/>
+                    </a:lnL>
+                    <a:lnR w="12700">
+                      <a:solidFill>
+                        <a:schemeClr val="tx1"/>
+                      </a:solidFill>
+                      <a:prstDash val="solid"/>
+                    </a:lnR>
+                    <a:lnT w="12700">
+                      <a:solidFill>
+                        <a:schemeClr val="tx1"/>
+                      </a:solidFill>
+                      <a:prstDash val="solid"/>
+                    </a:lnT>
+                    <a:lnB w="12700">
+                      <a:solidFill>
+                        <a:schemeClr val="tx1"/>
+                      </a:solidFill>
+                      <a:prstDash val="solid"/>
+                    </a:lnB>
+                    <a:noFill/>
+                  </a:tcPr>
+                </a:tc>
+              </a:tr>
+              <a:tr h="285750">
+                <a:tc>
+                  <a:txBody>
+                    <a:bodyPr/>
+                    <a:p>
+                      <a:pPr algn="ctr">
+                        <a:buNone/>
+                      </a:pPr>
+                      <a:r>
+                        <a:rPr lang="x-none" sz="1400">
+                          <a:solidFill>
+                            <a:schemeClr val="tx1"/>
+                          </a:solidFill>
+                          <a:latin typeface="Liberation Sans Narrow" charset="0"/>
+                        </a:rPr>
+                        <a:t>...</a:t>
+                      </a:r>
+                      <a:endParaRPr lang="x-none" sz="1400">
+                        <a:solidFill>
+                          <a:schemeClr val="tx1"/>
+                        </a:solidFill>
+                        <a:latin typeface="Liberation Sans Narrow" charset="0"/>
+                      </a:endParaRPr>
+                    </a:p>
+                  </a:txBody>
+                  <a:tcPr marL="36195" marR="36195" marT="36195" marB="36195">
+                    <a:lnL w="12700">
+                      <a:solidFill>
+                        <a:schemeClr val="tx1"/>
+                      </a:solidFill>
+                      <a:prstDash val="solid"/>
+                    </a:lnL>
+                    <a:lnR w="12700">
+                      <a:solidFill>
+                        <a:schemeClr val="tx1"/>
+                      </a:solidFill>
+                      <a:prstDash val="solid"/>
+                    </a:lnR>
+                    <a:lnT w="12700">
+                      <a:solidFill>
+                        <a:schemeClr val="tx1"/>
+                      </a:solidFill>
+                      <a:prstDash val="solid"/>
+                    </a:lnT>
+                    <a:lnB w="12700">
+                      <a:solidFill>
+                        <a:schemeClr val="tx1"/>
+                      </a:solidFill>
+                      <a:prstDash val="solid"/>
+                    </a:lnB>
+                    <a:solidFill>
+                      <a:schemeClr val="bg2">
+                        <a:lumMod val="75000"/>
+                      </a:schemeClr>
+                    </a:solidFill>
+                  </a:tcPr>
+                </a:tc>
+              </a:tr>
+              <a:tr h="285750">
+                <a:tc>
+                  <a:txBody>
+                    <a:bodyPr/>
+                    <a:p>
+                      <a:pPr algn="ctr">
+                        <a:buNone/>
+                      </a:pPr>
+                      <a:r>
+                        <a:rPr lang="x-none" sz="1400">
+                          <a:solidFill>
+                            <a:schemeClr val="tx1"/>
+                          </a:solidFill>
+                          <a:latin typeface="Liberation Sans Narrow" charset="0"/>
+                        </a:rPr>
+                        <a:t>struct socket_wq* sk_wq</a:t>
+                      </a:r>
+                      <a:endParaRPr lang="x-none" sz="1400">
+                        <a:solidFill>
+                          <a:schemeClr val="tx1"/>
+                        </a:solidFill>
+                        <a:latin typeface="Liberation Sans Narrow" charset="0"/>
+                      </a:endParaRPr>
+                    </a:p>
+                  </a:txBody>
+                  <a:tcPr marL="36195" marR="36195" marT="36195" marB="36195">
+                    <a:lnL w="12700">
+                      <a:solidFill>
+                        <a:schemeClr val="tx1"/>
+                      </a:solidFill>
+                      <a:prstDash val="solid"/>
+                    </a:lnL>
+                    <a:lnR w="12700">
+                      <a:solidFill>
+                        <a:schemeClr val="tx1"/>
+                      </a:solidFill>
+                      <a:prstDash val="solid"/>
+                    </a:lnR>
+                    <a:lnT w="12700">
+                      <a:solidFill>
+                        <a:schemeClr val="tx1"/>
+                      </a:solidFill>
+                      <a:prstDash val="solid"/>
+                    </a:lnT>
+                    <a:lnB w="12700">
+                      <a:solidFill>
+                        <a:schemeClr val="tx1"/>
+                      </a:solidFill>
+                      <a:prstDash val="solid"/>
+                    </a:lnB>
+                    <a:noFill/>
+                  </a:tcPr>
+                </a:tc>
+              </a:tr>
+              <a:tr h="285750">
+                <a:tc>
+                  <a:txBody>
+                    <a:bodyPr/>
+                    <a:p>
+                      <a:pPr algn="ctr">
+                        <a:buNone/>
+                      </a:pPr>
+                      <a:r>
+                        <a:rPr lang="x-none" sz="1400">
+                          <a:solidFill>
+                            <a:schemeClr val="tx1"/>
+                          </a:solidFill>
+                          <a:latin typeface="Liberation Sans Narrow" charset="0"/>
+                        </a:rPr>
+                        <a:t>...</a:t>
+                      </a:r>
+                      <a:endParaRPr lang="x-none" sz="1400">
+                        <a:solidFill>
+                          <a:schemeClr val="tx1"/>
+                        </a:solidFill>
+                        <a:latin typeface="Liberation Sans Narrow" charset="0"/>
+                      </a:endParaRPr>
+                    </a:p>
+                  </a:txBody>
+                  <a:tcPr marL="36195" marR="36195" marT="36195" marB="36195">
+                    <a:lnL w="12700">
+                      <a:solidFill>
+                        <a:schemeClr val="tx1"/>
+                      </a:solidFill>
+                      <a:prstDash val="solid"/>
+                    </a:lnL>
+                    <a:lnR w="12700">
+                      <a:solidFill>
+                        <a:schemeClr val="tx1"/>
+                      </a:solidFill>
+                      <a:prstDash val="solid"/>
+                    </a:lnR>
+                    <a:lnT w="12700">
+                      <a:solidFill>
+                        <a:schemeClr val="tx1"/>
+                      </a:solidFill>
+                      <a:prstDash val="solid"/>
+                    </a:lnT>
+                    <a:lnB w="12700">
+                      <a:solidFill>
+                        <a:schemeClr val="tx1"/>
+                      </a:solidFill>
+                      <a:prstDash val="solid"/>
+                    </a:lnB>
+                    <a:solidFill>
+                      <a:schemeClr val="bg2">
+                        <a:lumMod val="75000"/>
+                      </a:schemeClr>
+                    </a:solidFill>
+                  </a:tcPr>
+                </a:tc>
+              </a:tr>
+              <a:tr h="285750">
+                <a:tc>
+                  <a:txBody>
+                    <a:bodyPr/>
+                    <a:p>
+                      <a:pPr algn="ctr">
+                        <a:buNone/>
+                      </a:pPr>
+                      <a:r>
+                        <a:rPr lang="x-none" sz="1400">
+                          <a:solidFill>
+                            <a:schemeClr val="tx1"/>
+                          </a:solidFill>
+                          <a:latin typeface="Liberation Sans Narrow" charset="0"/>
+                        </a:rPr>
+                        <a:t>struct* sk_socket</a:t>
+                      </a:r>
+                      <a:endParaRPr lang="x-none" sz="1400">
+                        <a:solidFill>
+                          <a:schemeClr val="tx1"/>
+                        </a:solidFill>
+                        <a:latin typeface="Liberation Sans Narrow" charset="0"/>
+                      </a:endParaRPr>
+                    </a:p>
+                  </a:txBody>
+                  <a:tcPr marL="36195" marR="36195" marT="36195" marB="36195">
+                    <a:lnL w="12700">
+                      <a:solidFill>
+                        <a:schemeClr val="tx1"/>
+                      </a:solidFill>
+                      <a:prstDash val="solid"/>
+                    </a:lnL>
+                    <a:lnR w="12700">
+                      <a:solidFill>
+                        <a:schemeClr val="tx1"/>
+                      </a:solidFill>
+                      <a:prstDash val="solid"/>
+                    </a:lnR>
+                    <a:lnT w="12700">
+                      <a:solidFill>
+                        <a:schemeClr val="tx1"/>
+                      </a:solidFill>
+                      <a:prstDash val="solid"/>
+                    </a:lnT>
+                    <a:lnB w="12700">
+                      <a:solidFill>
+                        <a:schemeClr val="tx1"/>
+                      </a:solidFill>
+                      <a:prstDash val="solid"/>
+                    </a:lnB>
+                    <a:noFill/>
+                  </a:tcPr>
+                </a:tc>
+              </a:tr>
+              <a:tr h="285750">
+                <a:tc>
+                  <a:txBody>
+                    <a:bodyPr/>
+                    <a:p>
+                      <a:pPr algn="ctr">
+                        <a:buNone/>
+                      </a:pPr>
+                      <a:r>
+                        <a:rPr lang="x-none" sz="1400">
+                          <a:solidFill>
+                            <a:schemeClr val="tx1"/>
+                          </a:solidFill>
+                          <a:latin typeface="Liberation Sans Narrow" charset="0"/>
+                        </a:rPr>
+                        <a:t>...</a:t>
+                      </a:r>
+                      <a:endParaRPr lang="x-none" sz="1400">
+                        <a:solidFill>
+                          <a:schemeClr val="tx1"/>
+                        </a:solidFill>
+                        <a:latin typeface="Liberation Sans Narrow" charset="0"/>
+                      </a:endParaRPr>
+                    </a:p>
+                  </a:txBody>
+                  <a:tcPr marL="36195" marR="36195" marT="36195" marB="36195">
+                    <a:lnL w="12700">
+                      <a:solidFill>
+                        <a:schemeClr val="tx1"/>
+                      </a:solidFill>
+                      <a:prstDash val="solid"/>
+                    </a:lnL>
+                    <a:lnR w="12700">
+                      <a:solidFill>
+                        <a:schemeClr val="tx1"/>
+                      </a:solidFill>
+                      <a:prstDash val="solid"/>
+                    </a:lnR>
+                    <a:lnT w="12700">
+                      <a:solidFill>
+                        <a:schemeClr val="tx1"/>
+                      </a:solidFill>
+                      <a:prstDash val="solid"/>
+                    </a:lnT>
+                    <a:lnB w="12700">
+                      <a:solidFill>
+                        <a:schemeClr val="tx1"/>
+                      </a:solidFill>
+                      <a:prstDash val="solid"/>
+                    </a:lnB>
+                    <a:solidFill>
+                      <a:schemeClr val="bg2">
+                        <a:lumMod val="75000"/>
+                      </a:schemeClr>
+                    </a:solidFill>
+                  </a:tcPr>
+                </a:tc>
+              </a:tr>
+            </a:tbl>
+          </a:graphicData>
+        </a:graphic>
+      </p:graphicFrame>
+      <p:graphicFrame>
+        <p:nvGraphicFramePr>
+          <p:cNvPr id="32" name="Table 31"/>
+          <p:cNvGraphicFramePr/>
+          <p:nvPr/>
+        </p:nvGraphicFramePr>
+        <p:xfrm>
+          <a:off x="8114030" y="3901440"/>
+          <a:ext cx="1741805" cy="857250"/>
+        </p:xfrm>
+        <a:graphic>
+          <a:graphicData uri="http://schemas.openxmlformats.org/drawingml/2006/table">
+            <a:tbl>
+              <a:tblPr firstRow="1" bandRow="1">
+                <a:tableStyleId>{5C22544A-7EE6-4342-B048-85BDC9FD1C3A}</a:tableStyleId>
+              </a:tblPr>
+              <a:tblGrid>
+                <a:gridCol w="1741805"/>
+              </a:tblGrid>
+              <a:tr h="285750">
+                <a:tc>
+                  <a:txBody>
+                    <a:bodyPr/>
+                    <a:p>
+                      <a:pPr algn="ctr">
+                        <a:buNone/>
+                      </a:pPr>
+                      <a:r>
+                        <a:rPr lang="x-none" sz="1400">
+                          <a:solidFill>
+                            <a:schemeClr val="tx1"/>
+                          </a:solidFill>
+                          <a:latin typeface="Liberation Sans Narrow" charset="0"/>
+                        </a:rPr>
+                        <a:t>struct socket_wq {}</a:t>
+                      </a:r>
+                      <a:endParaRPr lang="x-none" sz="1400">
+                        <a:solidFill>
+                          <a:schemeClr val="tx1"/>
+                        </a:solidFill>
+                        <a:latin typeface="Liberation Sans Narrow" charset="0"/>
+                      </a:endParaRPr>
+                    </a:p>
+                  </a:txBody>
+                  <a:tcPr marL="36195" marR="36195" marT="36195" marB="36195">
+                    <a:lnL>
+                      <a:noFill/>
+                    </a:lnL>
+                    <a:lnR>
+                      <a:noFill/>
+                    </a:lnR>
+                    <a:lnT>
+                      <a:noFill/>
+                    </a:lnT>
+                    <a:lnB w="12700">
+                      <a:solidFill>
+                        <a:schemeClr val="tx1"/>
+                      </a:solidFill>
+                      <a:prstDash val="solid"/>
+                    </a:lnB>
+                    <a:lnTlToBr>
+                      <a:noFill/>
+                    </a:lnTlToBr>
+                    <a:lnBlToTr>
+                      <a:noFill/>
+                    </a:lnBlToTr>
+                    <a:noFill/>
+                  </a:tcPr>
+                </a:tc>
+              </a:tr>
+              <a:tr h="285750">
+                <a:tc>
+                  <a:txBody>
+                    <a:bodyPr/>
+                    <a:p>
+                      <a:pPr algn="ctr">
+                        <a:buNone/>
+                      </a:pPr>
+                      <a:r>
+                        <a:rPr lang="x-none" sz="1400">
+                          <a:solidFill>
+                            <a:schemeClr val="tx1"/>
+                          </a:solidFill>
+                          <a:latin typeface="Liberation Sans Narrow" charset="0"/>
+                        </a:rPr>
+                        <a:t>wait_queue_head_t wait</a:t>
+                      </a:r>
+                      <a:endParaRPr lang="x-none" sz="1400">
+                        <a:solidFill>
+                          <a:schemeClr val="tx1"/>
+                        </a:solidFill>
+                        <a:latin typeface="Liberation Sans Narrow" charset="0"/>
+                      </a:endParaRPr>
+                    </a:p>
+                  </a:txBody>
+                  <a:tcPr marL="36195" marR="36195" marT="36195" marB="36195">
+                    <a:lnL w="12700">
+                      <a:solidFill>
+                        <a:schemeClr val="tx1"/>
+                      </a:solidFill>
+                      <a:prstDash val="solid"/>
+                    </a:lnL>
+                    <a:lnR w="12700">
+                      <a:solidFill>
+                        <a:schemeClr val="tx1"/>
+                      </a:solidFill>
+                      <a:prstDash val="solid"/>
+                    </a:lnR>
+                    <a:lnT w="12700">
+                      <a:solidFill>
+                        <a:schemeClr val="tx1"/>
+                      </a:solidFill>
+                      <a:prstDash val="solid"/>
+                    </a:lnT>
+                    <a:lnB w="12700">
+                      <a:solidFill>
+                        <a:schemeClr val="tx1"/>
+                      </a:solidFill>
+                      <a:prstDash val="solid"/>
+                    </a:lnB>
+                    <a:noFill/>
+                  </a:tcPr>
+                </a:tc>
+              </a:tr>
+              <a:tr h="285750">
+                <a:tc>
+                  <a:txBody>
+                    <a:bodyPr/>
+                    <a:p>
+                      <a:pPr algn="ctr">
+                        <a:buNone/>
+                      </a:pPr>
+                      <a:r>
+                        <a:rPr lang="x-none" sz="1400">
+                          <a:solidFill>
+                            <a:schemeClr val="tx1"/>
+                          </a:solidFill>
+                          <a:latin typeface="Liberation Sans Narrow" charset="0"/>
+                        </a:rPr>
+                        <a:t>...</a:t>
+                      </a:r>
+                      <a:endParaRPr lang="x-none" sz="1400">
+                        <a:solidFill>
+                          <a:schemeClr val="tx1"/>
+                        </a:solidFill>
+                        <a:latin typeface="Liberation Sans Narrow" charset="0"/>
+                      </a:endParaRPr>
+                    </a:p>
+                  </a:txBody>
+                  <a:tcPr marL="36195" marR="36195" marT="36195" marB="36195">
+                    <a:lnL w="12700">
+                      <a:solidFill>
+                        <a:schemeClr val="tx1"/>
+                      </a:solidFill>
+                      <a:prstDash val="solid"/>
+                    </a:lnL>
+                    <a:lnR w="12700">
+                      <a:solidFill>
+                        <a:schemeClr val="tx1"/>
+                      </a:solidFill>
+                      <a:prstDash val="solid"/>
+                    </a:lnR>
+                    <a:lnT w="12700">
+                      <a:solidFill>
+                        <a:schemeClr val="tx1"/>
+                      </a:solidFill>
+                      <a:prstDash val="solid"/>
+                    </a:lnT>
+                    <a:lnB w="12700">
+                      <a:solidFill>
+                        <a:schemeClr val="tx1"/>
+                      </a:solidFill>
+                      <a:prstDash val="solid"/>
+                    </a:lnB>
+                    <a:solidFill>
+                      <a:schemeClr val="bg2">
+                        <a:lumMod val="75000"/>
+                      </a:schemeClr>
+                    </a:solidFill>
+                  </a:tcPr>
+                </a:tc>
+              </a:tr>
+            </a:tbl>
+          </a:graphicData>
+        </a:graphic>
+      </p:graphicFrame>
+      <p:cxnSp>
+        <p:nvCxnSpPr>
+          <p:cNvPr id="33" name="Elbow Connector 32"/>
+          <p:cNvCxnSpPr/>
+          <p:nvPr/>
+        </p:nvCxnSpPr>
+        <p:spPr>
+          <a:xfrm>
+            <a:off x="9836150" y="2803525"/>
+            <a:ext cx="36000" cy="1404000"/>
+          </a:xfrm>
+          <a:prstGeom prst="bentConnector3">
+            <a:avLst>
+              <a:gd name="adj1" fmla="val 853722"/>
+            </a:avLst>
+          </a:prstGeom>
+          <a:ln>
+            <a:solidFill>
+              <a:schemeClr val="tx1"/>
+            </a:solidFill>
+            <a:tailEnd type="arrow"/>
+          </a:ln>
+        </p:spPr>
+        <p:style>
+          <a:lnRef idx="1">
+            <a:schemeClr val="accent1"/>
+          </a:lnRef>
+          <a:fillRef idx="0">
+            <a:schemeClr val="accent1"/>
+          </a:fillRef>
+          <a:effectRef idx="0">
+            <a:schemeClr val="accent1"/>
+          </a:effectRef>
+          <a:fontRef idx="minor">
+            <a:schemeClr val="tx1"/>
+          </a:fontRef>
+        </p:style>
+      </p:cxnSp>
+      <p:sp>
+        <p:nvSpPr>
+          <p:cNvPr id="35" name="Curved Left Arrow 34"/>
+          <p:cNvSpPr/>
+          <p:nvPr/>
+        </p:nvSpPr>
+        <p:spPr>
+          <a:xfrm>
+            <a:off x="9889490" y="4356735"/>
+            <a:ext cx="337185" cy="1320800"/>
+          </a:xfrm>
+          <a:prstGeom prst="curvedLeftArrow">
+            <a:avLst/>
+          </a:prstGeom>
+          <a:solidFill>
+            <a:schemeClr val="bg2">
+              <a:lumMod val="75000"/>
+            </a:schemeClr>
+          </a:solidFill>
+          <a:ln>
+            <a:noFill/>
+          </a:ln>
+        </p:spPr>
+        <p:style>
+          <a:lnRef idx="2">
+            <a:schemeClr val="accent1">
+              <a:shade val="50000"/>
+            </a:schemeClr>
+          </a:lnRef>
+          <a:fillRef idx="1">
+            <a:schemeClr val="accent1"/>
+          </a:fillRef>
+          <a:effectRef idx="0">
+            <a:schemeClr val="accent1"/>
+          </a:effectRef>
+          <a:fontRef idx="minor">
+            <a:schemeClr val="lt1"/>
+          </a:fontRef>
+        </p:style>
+        <p:txBody>
+          <a:bodyPr rtlCol="0" anchor="ctr"/>
+          <a:p>
+            <a:pPr algn="ctr"/>
+            <a:endParaRPr lang="en-US">
+              <a:solidFill>
+                <a:schemeClr val="tx1"/>
+              </a:solidFill>
+            </a:endParaRPr>
+          </a:p>
+        </p:txBody>
+      </p:sp>
+      <p:cxnSp>
+        <p:nvCxnSpPr>
+          <p:cNvPr id="31" name="Elbow Connector 30"/>
+          <p:cNvCxnSpPr/>
+          <p:nvPr/>
+        </p:nvCxnSpPr>
+        <p:spPr>
+          <a:xfrm rot="10800000">
+            <a:off x="7185310" y="1044550"/>
+            <a:ext cx="756000" cy="2340000"/>
+          </a:xfrm>
+          <a:prstGeom prst="bentConnector3">
+            <a:avLst>
+              <a:gd name="adj1" fmla="val 18226"/>
+            </a:avLst>
+          </a:prstGeom>
+          <a:ln>
+            <a:solidFill>
+              <a:schemeClr val="tx1"/>
+            </a:solidFill>
+            <a:tailEnd type="arrow"/>
+          </a:ln>
+        </p:spPr>
+        <p:style>
+          <a:lnRef idx="1">
+            <a:schemeClr val="accent1"/>
+          </a:lnRef>
+          <a:fillRef idx="0">
+            <a:schemeClr val="accent1"/>
+          </a:fillRef>
+          <a:effectRef idx="0">
+            <a:schemeClr val="accent1"/>
+          </a:effectRef>
+          <a:fontRef idx="minor">
+            <a:schemeClr val="tx1"/>
+          </a:fontRef>
+        </p:style>
+      </p:cxnSp>
+      <p:cxnSp>
+        <p:nvCxnSpPr>
+          <p:cNvPr id="34" name="Elbow Connector 33"/>
+          <p:cNvCxnSpPr/>
+          <p:nvPr/>
+        </p:nvCxnSpPr>
+        <p:spPr>
+          <a:xfrm flipV="1">
+            <a:off x="7094220" y="929005"/>
+            <a:ext cx="828000" cy="1692000"/>
+          </a:xfrm>
+          <a:prstGeom prst="bentConnector3">
+            <a:avLst>
+              <a:gd name="adj1" fmla="val 37041"/>
+            </a:avLst>
+          </a:prstGeom>
+          <a:ln>
+            <a:solidFill>
+              <a:schemeClr val="tx1"/>
+            </a:solidFill>
+            <a:tailEnd type="arrow"/>
+          </a:ln>
+        </p:spPr>
+        <p:style>
+          <a:lnRef idx="1">
+            <a:schemeClr val="accent1"/>
+          </a:lnRef>
+          <a:fillRef idx="0">
+            <a:schemeClr val="accent1"/>
+          </a:fillRef>
+          <a:effectRef idx="0">
+            <a:schemeClr val="accent1"/>
+          </a:effectRef>
+          <a:fontRef idx="minor">
+            <a:schemeClr val="tx1"/>
+          </a:fontRef>
+        </p:style>
+      </p:cxnSp>
+      <p:cxnSp>
+        <p:nvCxnSpPr>
+          <p:cNvPr id="36" name="Elbow Connector 35"/>
+          <p:cNvCxnSpPr/>
+          <p:nvPr/>
+        </p:nvCxnSpPr>
+        <p:spPr>
+          <a:xfrm>
+            <a:off x="7130415" y="2023110"/>
+            <a:ext cx="1008000" cy="2160000"/>
+          </a:xfrm>
+          <a:prstGeom prst="bentConnector3">
+            <a:avLst>
+              <a:gd name="adj1" fmla="val 49136"/>
+            </a:avLst>
+          </a:prstGeom>
+          <a:ln>
+            <a:solidFill>
+              <a:schemeClr val="tx1"/>
+            </a:solidFill>
+            <a:tailEnd type="arrow"/>
+          </a:ln>
+        </p:spPr>
+        <p:style>
+          <a:lnRef idx="1">
+            <a:schemeClr val="accent1"/>
+          </a:lnRef>
+          <a:fillRef idx="0">
+            <a:schemeClr val="accent1"/>
+          </a:fillRef>
+          <a:effectRef idx="0">
+            <a:schemeClr val="accent1"/>
+          </a:effectRef>
+          <a:fontRef idx="minor">
+            <a:schemeClr val="tx1"/>
+          </a:fontRef>
+        </p:style>
+      </p:cxnSp>
+      <p:cxnSp>
+        <p:nvCxnSpPr>
+          <p:cNvPr id="37" name="Elbow Connector 36"/>
+          <p:cNvCxnSpPr/>
+          <p:nvPr/>
+        </p:nvCxnSpPr>
+        <p:spPr>
+          <a:xfrm>
+            <a:off x="2005965" y="1842770"/>
+            <a:ext cx="72000" cy="828000"/>
+          </a:xfrm>
+          <a:prstGeom prst="bentConnector3">
+            <a:avLst>
+              <a:gd name="adj1" fmla="val 284079"/>
+            </a:avLst>
+          </a:prstGeom>
+          <a:ln>
+            <a:solidFill>
+              <a:schemeClr val="tx1"/>
+            </a:solidFill>
+            <a:tailEnd type="arrow"/>
+          </a:ln>
+        </p:spPr>
+        <p:style>
+          <a:lnRef idx="1">
+            <a:schemeClr val="accent1"/>
+          </a:lnRef>
+          <a:fillRef idx="0">
+            <a:schemeClr val="accent1"/>
+          </a:fillRef>
+          <a:effectRef idx="0">
+            <a:schemeClr val="accent1"/>
+          </a:effectRef>
+          <a:fontRef idx="minor">
+            <a:schemeClr val="tx1"/>
+          </a:fontRef>
+        </p:style>
+      </p:cxnSp>
+      <p:cxnSp>
+        <p:nvCxnSpPr>
+          <p:cNvPr id="38" name="Elbow Connector 37"/>
+          <p:cNvCxnSpPr/>
+          <p:nvPr/>
+        </p:nvCxnSpPr>
+        <p:spPr>
+          <a:xfrm>
+            <a:off x="2016125" y="4399280"/>
+            <a:ext cx="72000" cy="828000"/>
+          </a:xfrm>
+          <a:prstGeom prst="bentConnector3">
+            <a:avLst>
+              <a:gd name="adj1" fmla="val 284079"/>
+            </a:avLst>
+          </a:prstGeom>
+          <a:ln>
+            <a:solidFill>
+              <a:schemeClr val="tx1"/>
+            </a:solidFill>
+            <a:tailEnd type="arrow"/>
+          </a:ln>
+        </p:spPr>
+        <p:style>
+          <a:lnRef idx="1">
+            <a:schemeClr val="accent1"/>
+          </a:lnRef>
+          <a:fillRef idx="0">
+            <a:schemeClr val="accent1"/>
+          </a:fillRef>
+          <a:effectRef idx="0">
+            <a:schemeClr val="accent1"/>
+          </a:effectRef>
+          <a:fontRef idx="minor">
+            <a:schemeClr val="tx1"/>
+          </a:fontRef>
+        </p:style>
+      </p:cxnSp>
+      <p:cxnSp>
+        <p:nvCxnSpPr>
+          <p:cNvPr id="39" name="Elbow Connector 38"/>
+          <p:cNvCxnSpPr/>
+          <p:nvPr/>
+        </p:nvCxnSpPr>
+        <p:spPr>
+          <a:xfrm flipV="1">
+            <a:off x="1964690" y="3364865"/>
+            <a:ext cx="756000" cy="2592000"/>
+          </a:xfrm>
+          <a:prstGeom prst="bentConnector3">
+            <a:avLst>
+              <a:gd name="adj1" fmla="val 56528"/>
+            </a:avLst>
+          </a:prstGeom>
+          <a:ln>
+            <a:solidFill>
+              <a:schemeClr val="tx1"/>
+            </a:solidFill>
+            <a:tailEnd type="arrow"/>
+          </a:ln>
+        </p:spPr>
+        <p:style>
+          <a:lnRef idx="1">
+            <a:schemeClr val="accent1"/>
+          </a:lnRef>
+          <a:fillRef idx="0">
+            <a:schemeClr val="accent1"/>
+          </a:fillRef>
+          <a:effectRef idx="0">
+            <a:schemeClr val="accent1"/>
+          </a:effectRef>
+          <a:fontRef idx="minor">
+            <a:schemeClr val="tx1"/>
+          </a:fontRef>
+        </p:style>
+      </p:cxnSp>
+      <p:graphicFrame>
+        <p:nvGraphicFramePr>
+          <p:cNvPr id="40" name="Table 39"/>
+          <p:cNvGraphicFramePr/>
+          <p:nvPr/>
+        </p:nvGraphicFramePr>
+        <p:xfrm>
+          <a:off x="2673350" y="698500"/>
+          <a:ext cx="1675765" cy="1828800"/>
+        </p:xfrm>
+        <a:graphic>
+          <a:graphicData uri="http://schemas.openxmlformats.org/drawingml/2006/table">
+            <a:tbl>
+              <a:tblPr firstRow="1" bandRow="1">
+                <a:tableStyleId>{5C22544A-7EE6-4342-B048-85BDC9FD1C3A}</a:tableStyleId>
+              </a:tblPr>
+              <a:tblGrid>
+                <a:gridCol w="1675765"/>
+              </a:tblGrid>
+              <a:tr h="304800">
+                <a:tc>
+                  <a:txBody>
+                    <a:bodyPr/>
+                    <a:p>
+                      <a:pPr algn="ctr">
+                        <a:buNone/>
+                      </a:pPr>
+                      <a:r>
+                        <a:rPr lang="x-none" sz="1400">
+                          <a:solidFill>
+                            <a:schemeClr val="tx1"/>
+                          </a:solidFill>
+                          <a:latin typeface="Liberation Sans Narrow" charset="0"/>
+                        </a:rPr>
+                        <a:t>struct dentry {}</a:t>
+                      </a:r>
+                      <a:endParaRPr lang="x-none" sz="1400">
+                        <a:solidFill>
+                          <a:schemeClr val="tx1"/>
+                        </a:solidFill>
+                        <a:latin typeface="Liberation Sans Narrow" charset="0"/>
+                      </a:endParaRPr>
+                    </a:p>
+                  </a:txBody>
+                  <a:tcPr marL="36195" marR="36195" marT="36195" marB="36195">
+                    <a:lnL>
+                      <a:noFill/>
+                    </a:lnL>
+                    <a:lnR>
+                      <a:noFill/>
+                    </a:lnR>
+                    <a:lnT>
+                      <a:noFill/>
+                    </a:lnT>
+                    <a:lnB w="12700">
+                      <a:solidFill>
+                        <a:schemeClr val="tx1"/>
+                      </a:solidFill>
+                      <a:prstDash val="solid"/>
+                    </a:lnB>
+                    <a:lnTlToBr>
+                      <a:noFill/>
+                    </a:lnTlToBr>
+                    <a:lnBlToTr>
+                      <a:noFill/>
+                    </a:lnBlToTr>
+                    <a:noFill/>
+                  </a:tcPr>
+                </a:tc>
+              </a:tr>
+              <a:tr h="304800">
+                <a:tc>
+                  <a:txBody>
+                    <a:bodyPr/>
+                    <a:p>
+                      <a:pPr algn="ctr">
+                        <a:buNone/>
+                      </a:pPr>
+                      <a:r>
+                        <a:rPr lang="x-none" sz="1400">
+                          <a:solidFill>
+                            <a:schemeClr val="tx1"/>
+                          </a:solidFill>
+                          <a:latin typeface="Liberation Sans Narrow" charset="0"/>
+                        </a:rPr>
+                        <a:t>...</a:t>
+                      </a:r>
+                      <a:endParaRPr lang="x-none" sz="1400">
+                        <a:solidFill>
+                          <a:schemeClr val="tx1"/>
+                        </a:solidFill>
+                        <a:latin typeface="Liberation Sans Narrow" charset="0"/>
+                      </a:endParaRPr>
+                    </a:p>
+                  </a:txBody>
+                  <a:tcPr marL="36195" marR="36195" marT="36195" marB="36195">
+                    <a:lnL w="12700">
+                      <a:solidFill>
+                        <a:schemeClr val="tx1"/>
+                      </a:solidFill>
+                      <a:prstDash val="solid"/>
+                    </a:lnL>
+                    <a:lnR w="12700">
+                      <a:solidFill>
+                        <a:schemeClr val="tx1"/>
+                      </a:solidFill>
+                      <a:prstDash val="solid"/>
+                    </a:lnR>
+                    <a:lnT w="12700">
+                      <a:solidFill>
+                        <a:schemeClr val="tx1"/>
+                      </a:solidFill>
+                      <a:prstDash val="solid"/>
+                    </a:lnT>
+                    <a:lnB w="12700">
+                      <a:solidFill>
+                        <a:schemeClr val="tx1"/>
+                      </a:solidFill>
+                      <a:prstDash val="solid"/>
+                    </a:lnB>
+                    <a:solidFill>
+                      <a:schemeClr val="bg2">
+                        <a:lumMod val="75000"/>
+                      </a:schemeClr>
+                    </a:solidFill>
+                  </a:tcPr>
+                </a:tc>
+              </a:tr>
+              <a:tr h="304800">
+                <a:tc>
+                  <a:txBody>
+                    <a:bodyPr/>
+                    <a:p>
+                      <a:pPr algn="ctr">
+                        <a:buNone/>
+                      </a:pPr>
+                      <a:r>
+                        <a:rPr lang="x-none" sz="1400">
+                          <a:solidFill>
+                            <a:schemeClr val="tx1"/>
+                          </a:solidFill>
+                          <a:latin typeface="Liberation Sans Narrow" charset="0"/>
+                        </a:rPr>
+                        <a:t>struct dentry* d_parent</a:t>
+                      </a:r>
+                      <a:endParaRPr lang="x-none" sz="1400">
+                        <a:solidFill>
+                          <a:schemeClr val="tx1"/>
+                        </a:solidFill>
+                        <a:latin typeface="Liberation Sans Narrow" charset="0"/>
+                      </a:endParaRPr>
+                    </a:p>
+                  </a:txBody>
+                  <a:tcPr marL="36195" marR="36195" marT="36195" marB="36195">
+                    <a:lnL w="12700">
+                      <a:solidFill>
+                        <a:schemeClr val="tx1"/>
+                      </a:solidFill>
+                      <a:prstDash val="solid"/>
+                    </a:lnL>
+                    <a:lnR w="12700">
+                      <a:solidFill>
+                        <a:schemeClr val="tx1"/>
+                      </a:solidFill>
+                      <a:prstDash val="solid"/>
+                    </a:lnR>
+                    <a:lnT w="12700">
+                      <a:solidFill>
+                        <a:schemeClr val="tx1"/>
+                      </a:solidFill>
+                      <a:prstDash val="solid"/>
+                    </a:lnT>
+                    <a:lnB w="12700">
+                      <a:solidFill>
+                        <a:schemeClr val="tx1"/>
+                      </a:solidFill>
+                      <a:prstDash val="solid"/>
+                    </a:lnB>
+                    <a:noFill/>
+                  </a:tcPr>
+                </a:tc>
+              </a:tr>
+              <a:tr h="304800">
+                <a:tc>
+                  <a:txBody>
+                    <a:bodyPr/>
+                    <a:p>
+                      <a:pPr algn="ctr">
+                        <a:buNone/>
+                      </a:pPr>
+                      <a:r>
+                        <a:rPr lang="x-none" sz="1400">
+                          <a:solidFill>
+                            <a:schemeClr val="tx1"/>
+                          </a:solidFill>
+                          <a:latin typeface="Liberation Sans Narrow" charset="0"/>
+                        </a:rPr>
+                        <a:t>struct qstr d_name</a:t>
+                      </a:r>
+                      <a:endParaRPr lang="x-none" sz="1400">
+                        <a:solidFill>
+                          <a:schemeClr val="tx1"/>
+                        </a:solidFill>
+                        <a:latin typeface="Liberation Sans Narrow" charset="0"/>
+                      </a:endParaRPr>
+                    </a:p>
+                  </a:txBody>
+                  <a:tcPr marL="36195" marR="36195" marT="36195" marB="36195">
+                    <a:lnL w="12700">
+                      <a:solidFill>
+                        <a:schemeClr val="tx1"/>
+                      </a:solidFill>
+                      <a:prstDash val="solid"/>
+                    </a:lnL>
+                    <a:lnR w="12700">
+                      <a:solidFill>
+                        <a:schemeClr val="tx1"/>
+                      </a:solidFill>
+                      <a:prstDash val="solid"/>
+                    </a:lnR>
+                    <a:lnT w="12700">
+                      <a:solidFill>
+                        <a:schemeClr val="tx1"/>
+                      </a:solidFill>
+                      <a:prstDash val="solid"/>
+                    </a:lnT>
+                    <a:lnB w="12700">
+                      <a:solidFill>
+                        <a:schemeClr val="tx1"/>
+                      </a:solidFill>
+                      <a:prstDash val="solid"/>
+                    </a:lnB>
+                    <a:noFill/>
+                  </a:tcPr>
+                </a:tc>
+              </a:tr>
+              <a:tr h="304800">
+                <a:tc>
+                  <a:txBody>
+                    <a:bodyPr/>
+                    <a:p>
+                      <a:pPr algn="ctr">
+                        <a:buNone/>
+                      </a:pPr>
+                      <a:r>
+                        <a:rPr lang="x-none" sz="1400">
+                          <a:solidFill>
+                            <a:schemeClr val="tx1"/>
+                          </a:solidFill>
+                          <a:latin typeface="Liberation Sans Narrow" charset="0"/>
+                        </a:rPr>
+                        <a:t>struct inode* d_inode</a:t>
+                      </a:r>
+                      <a:endParaRPr lang="x-none" sz="1400">
+                        <a:solidFill>
+                          <a:schemeClr val="tx1"/>
+                        </a:solidFill>
+                        <a:latin typeface="Liberation Sans Narrow" charset="0"/>
+                      </a:endParaRPr>
+                    </a:p>
+                  </a:txBody>
+                  <a:tcPr marL="36195" marR="36195" marT="36195" marB="36195">
+                    <a:lnL w="12700">
+                      <a:solidFill>
+                        <a:schemeClr val="tx1"/>
+                      </a:solidFill>
+                      <a:prstDash val="solid"/>
+                    </a:lnL>
+                    <a:lnR w="12700">
+                      <a:solidFill>
+                        <a:schemeClr val="tx1"/>
+                      </a:solidFill>
+                      <a:prstDash val="solid"/>
+                    </a:lnR>
+                    <a:lnT w="12700">
+                      <a:solidFill>
+                        <a:schemeClr val="tx1"/>
+                      </a:solidFill>
+                      <a:prstDash val="solid"/>
+                    </a:lnT>
+                    <a:lnB w="12700">
+                      <a:solidFill>
+                        <a:schemeClr val="tx1"/>
+                      </a:solidFill>
+                      <a:prstDash val="solid"/>
+                    </a:lnB>
+                    <a:noFill/>
+                  </a:tcPr>
+                </a:tc>
+              </a:tr>
+              <a:tr h="304800">
+                <a:tc>
+                  <a:txBody>
+                    <a:bodyPr/>
+                    <a:p>
+                      <a:pPr algn="ctr">
+                        <a:buNone/>
+                      </a:pPr>
+                      <a:r>
+                        <a:rPr lang="x-none" sz="1400">
+                          <a:solidFill>
+                            <a:schemeClr val="tx1"/>
+                          </a:solidFill>
+                          <a:latin typeface="Liberation Sans Narrow" charset="0"/>
+                        </a:rPr>
+                        <a:t>...</a:t>
+                      </a:r>
+                      <a:endParaRPr lang="x-none" sz="1400">
+                        <a:solidFill>
+                          <a:schemeClr val="tx1"/>
+                        </a:solidFill>
+                        <a:latin typeface="Liberation Sans Narrow" charset="0"/>
+                      </a:endParaRPr>
+                    </a:p>
+                  </a:txBody>
+                  <a:tcPr marL="36195" marR="36195" marT="36195" marB="36195">
+                    <a:lnL w="12700">
+                      <a:solidFill>
+                        <a:schemeClr val="tx1"/>
+                      </a:solidFill>
+                      <a:prstDash val="solid"/>
+                    </a:lnL>
+                    <a:lnR w="12700">
+                      <a:solidFill>
+                        <a:schemeClr val="tx1"/>
+                      </a:solidFill>
+                      <a:prstDash val="solid"/>
+                    </a:lnR>
+                    <a:lnT w="12700">
+                      <a:solidFill>
+                        <a:schemeClr val="tx1"/>
+                      </a:solidFill>
+                      <a:prstDash val="solid"/>
+                    </a:lnT>
+                    <a:lnB w="12700">
+                      <a:solidFill>
+                        <a:schemeClr val="tx1"/>
+                      </a:solidFill>
+                      <a:prstDash val="solid"/>
+                    </a:lnB>
+                    <a:solidFill>
+                      <a:schemeClr val="bg2">
+                        <a:lumMod val="75000"/>
+                      </a:schemeClr>
+                    </a:solidFill>
+                  </a:tcPr>
+                </a:tc>
+              </a:tr>
+            </a:tbl>
+          </a:graphicData>
+        </a:graphic>
+      </p:graphicFrame>
+      <p:cxnSp>
+        <p:nvCxnSpPr>
+          <p:cNvPr id="41" name="Elbow Connector 40"/>
+          <p:cNvCxnSpPr/>
+          <p:nvPr/>
+        </p:nvCxnSpPr>
+        <p:spPr>
+          <a:xfrm>
+            <a:off x="4292600" y="2036445"/>
+            <a:ext cx="1008000" cy="1584000"/>
+          </a:xfrm>
+          <a:prstGeom prst="bentConnector3">
+            <a:avLst>
+              <a:gd name="adj1" fmla="val 77170"/>
+            </a:avLst>
+          </a:prstGeom>
+          <a:ln>
+            <a:solidFill>
+              <a:schemeClr val="tx1"/>
+            </a:solidFill>
+            <a:tailEnd type="arrow"/>
+          </a:ln>
+        </p:spPr>
+        <p:style>
+          <a:lnRef idx="1">
+            <a:schemeClr val="accent1"/>
+          </a:lnRef>
+          <a:fillRef idx="0">
+            <a:schemeClr val="accent1"/>
+          </a:fillRef>
+          <a:effectRef idx="0">
+            <a:schemeClr val="accent1"/>
+          </a:effectRef>
+          <a:fontRef idx="minor">
+            <a:schemeClr val="tx1"/>
+          </a:fontRef>
+        </p:style>
+      </p:cxnSp>
+      <p:cxnSp>
+        <p:nvCxnSpPr>
+          <p:cNvPr id="42" name="Elbow Connector 41"/>
+          <p:cNvCxnSpPr/>
+          <p:nvPr/>
+        </p:nvCxnSpPr>
+        <p:spPr>
+          <a:xfrm flipV="1">
+            <a:off x="4133850" y="1017270"/>
+            <a:ext cx="216000" cy="3348000"/>
+          </a:xfrm>
+          <a:prstGeom prst="bentConnector3">
+            <a:avLst>
+              <a:gd name="adj1" fmla="val 193439"/>
+            </a:avLst>
+          </a:prstGeom>
+          <a:ln>
+            <a:solidFill>
+              <a:schemeClr val="tx1"/>
+            </a:solidFill>
+            <a:tailEnd type="arrow"/>
+          </a:ln>
+        </p:spPr>
+        <p:style>
+          <a:lnRef idx="1">
+            <a:schemeClr val="accent1"/>
+          </a:lnRef>
+          <a:fillRef idx="0">
+            <a:schemeClr val="accent1"/>
+          </a:fillRef>
+          <a:effectRef idx="0">
+            <a:schemeClr val="accent1"/>
+          </a:effectRef>
+          <a:fontRef idx="minor">
+            <a:schemeClr val="tx1"/>
+          </a:fontRef>
+        </p:style>
+      </p:cxnSp>
+    </p:spTree>
+  </p:cSld>
+  <p:clrMapOvr>
+    <a:masterClrMapping/>
+  </p:clrMapOvr>
+</p:sld>
+</file>
+
+<file path=ppt/slides/slide5.xml><?xml version="1.0" encoding="utf-8"?>
+<p:sld xmlns:a="http://schemas.openxmlformats.org/drawingml/2006/main" xmlns:r="http://schemas.openxmlformats.org/officeDocument/2006/relationships" xmlns:p="http://schemas.openxmlformats.org/presentationml/2006/main">
+  <p:cSld>
+    <p:spTree>
+      <p:nvGrpSpPr>
+        <p:cNvPr id="1" name=""/>
+        <p:cNvGrpSpPr/>
+        <p:nvPr/>
+      </p:nvGrpSpPr>
+      <p:grpSpPr/>
       <p:sp>
         <p:nvSpPr>
           <p:cNvPr id="14" name="Oval 13"/>
@@ -13799,7 +18582,7 @@
 </p:sld>
 </file>
 
-<file path=ppt/slides/slide5.xml><?xml version="1.0" encoding="utf-8"?>
+<file path=ppt/slides/slide6.xml><?xml version="1.0" encoding="utf-8"?>
 <p:sld xmlns:a="http://schemas.openxmlformats.org/drawingml/2006/main" xmlns:r="http://schemas.openxmlformats.org/officeDocument/2006/relationships" xmlns:p="http://schemas.openxmlformats.org/presentationml/2006/main">
   <p:cSld>
     <p:spTree>
@@ -14716,7 +19499,7 @@
 </p:sld>
 </file>
 
-<file path=ppt/slides/slide6.xml><?xml version="1.0" encoding="utf-8"?>
+<file path=ppt/slides/slide7.xml><?xml version="1.0" encoding="utf-8"?>
 <p:sld xmlns:a="http://schemas.openxmlformats.org/drawingml/2006/main" xmlns:r="http://schemas.openxmlformats.org/officeDocument/2006/relationships" xmlns:p="http://schemas.openxmlformats.org/presentationml/2006/main">
   <p:cSld>
     <p:spTree>
